--- a/400 Presentation.pptx
+++ b/400 Presentation.pptx
@@ -9,8 +9,8 @@
     <p:sldId id="259" r:id="rId3"/>
     <p:sldId id="260" r:id="rId4"/>
     <p:sldId id="261" r:id="rId5"/>
-    <p:sldId id="257" r:id="rId6"/>
-    <p:sldId id="258" r:id="rId7"/>
+    <p:sldId id="258" r:id="rId6"/>
+    <p:sldId id="257" r:id="rId7"/>
   </p:sldIdLst>
   <p:sldSz cx="12192000" cy="6858000"/>
   <p:notesSz cx="6858000" cy="9144000"/>
@@ -109,6 +109,11 @@
       </a:defRPr>
     </a:lvl9pPr>
   </p:defaultTextStyle>
+  <p:extLst>
+    <p:ext uri="{EFAFB233-063F-42B5-8137-9DF3F51BA10A}">
+      <p15:sldGuideLst xmlns:p15="http://schemas.microsoft.com/office/powerpoint/2012/main"/>
+    </p:ext>
+  </p:extLst>
 </p:presentation>
 </file>
 
@@ -259,7 +264,7 @@
           <a:p>
             <a:fld id="{4A012FA5-57F2-4E13-B123-5C8D89215D5E}" type="datetimeFigureOut">
               <a:rPr lang="en-US" smtClean="0"/>
-              <a:t>12/7/2021</a:t>
+              <a:t>12/8/2021</a:t>
             </a:fld>
             <a:endParaRPr lang="en-US"/>
           </a:p>
@@ -457,7 +462,7 @@
           <a:p>
             <a:fld id="{4A012FA5-57F2-4E13-B123-5C8D89215D5E}" type="datetimeFigureOut">
               <a:rPr lang="en-US" smtClean="0"/>
-              <a:t>12/7/2021</a:t>
+              <a:t>12/8/2021</a:t>
             </a:fld>
             <a:endParaRPr lang="en-US"/>
           </a:p>
@@ -665,7 +670,7 @@
           <a:p>
             <a:fld id="{4A012FA5-57F2-4E13-B123-5C8D89215D5E}" type="datetimeFigureOut">
               <a:rPr lang="en-US" smtClean="0"/>
-              <a:t>12/7/2021</a:t>
+              <a:t>12/8/2021</a:t>
             </a:fld>
             <a:endParaRPr lang="en-US"/>
           </a:p>
@@ -863,7 +868,7 @@
           <a:p>
             <a:fld id="{4A012FA5-57F2-4E13-B123-5C8D89215D5E}" type="datetimeFigureOut">
               <a:rPr lang="en-US" smtClean="0"/>
-              <a:t>12/7/2021</a:t>
+              <a:t>12/8/2021</a:t>
             </a:fld>
             <a:endParaRPr lang="en-US"/>
           </a:p>
@@ -1138,7 +1143,7 @@
           <a:p>
             <a:fld id="{4A012FA5-57F2-4E13-B123-5C8D89215D5E}" type="datetimeFigureOut">
               <a:rPr lang="en-US" smtClean="0"/>
-              <a:t>12/7/2021</a:t>
+              <a:t>12/8/2021</a:t>
             </a:fld>
             <a:endParaRPr lang="en-US"/>
           </a:p>
@@ -1403,7 +1408,7 @@
           <a:p>
             <a:fld id="{4A012FA5-57F2-4E13-B123-5C8D89215D5E}" type="datetimeFigureOut">
               <a:rPr lang="en-US" smtClean="0"/>
-              <a:t>12/7/2021</a:t>
+              <a:t>12/8/2021</a:t>
             </a:fld>
             <a:endParaRPr lang="en-US"/>
           </a:p>
@@ -1815,7 +1820,7 @@
           <a:p>
             <a:fld id="{4A012FA5-57F2-4E13-B123-5C8D89215D5E}" type="datetimeFigureOut">
               <a:rPr lang="en-US" smtClean="0"/>
-              <a:t>12/7/2021</a:t>
+              <a:t>12/8/2021</a:t>
             </a:fld>
             <a:endParaRPr lang="en-US"/>
           </a:p>
@@ -1956,7 +1961,7 @@
           <a:p>
             <a:fld id="{4A012FA5-57F2-4E13-B123-5C8D89215D5E}" type="datetimeFigureOut">
               <a:rPr lang="en-US" smtClean="0"/>
-              <a:t>12/7/2021</a:t>
+              <a:t>12/8/2021</a:t>
             </a:fld>
             <a:endParaRPr lang="en-US"/>
           </a:p>
@@ -2069,7 +2074,7 @@
           <a:p>
             <a:fld id="{4A012FA5-57F2-4E13-B123-5C8D89215D5E}" type="datetimeFigureOut">
               <a:rPr lang="en-US" smtClean="0"/>
-              <a:t>12/7/2021</a:t>
+              <a:t>12/8/2021</a:t>
             </a:fld>
             <a:endParaRPr lang="en-US"/>
           </a:p>
@@ -2380,7 +2385,7 @@
           <a:p>
             <a:fld id="{4A012FA5-57F2-4E13-B123-5C8D89215D5E}" type="datetimeFigureOut">
               <a:rPr lang="en-US" smtClean="0"/>
-              <a:t>12/7/2021</a:t>
+              <a:t>12/8/2021</a:t>
             </a:fld>
             <a:endParaRPr lang="en-US"/>
           </a:p>
@@ -2668,7 +2673,7 @@
           <a:p>
             <a:fld id="{4A012FA5-57F2-4E13-B123-5C8D89215D5E}" type="datetimeFigureOut">
               <a:rPr lang="en-US" smtClean="0"/>
-              <a:t>12/7/2021</a:t>
+              <a:t>12/8/2021</a:t>
             </a:fld>
             <a:endParaRPr lang="en-US"/>
           </a:p>
@@ -2909,7 +2914,7 @@
           <a:p>
             <a:fld id="{4A012FA5-57F2-4E13-B123-5C8D89215D5E}" type="datetimeFigureOut">
               <a:rPr lang="en-US" smtClean="0"/>
-              <a:t>12/7/2021</a:t>
+              <a:t>12/8/2021</a:t>
             </a:fld>
             <a:endParaRPr lang="en-US"/>
           </a:p>
@@ -3463,7 +3468,9 @@
         </p:nvSpPr>
         <p:spPr/>
         <p:txBody>
-          <a:bodyPr/>
+          <a:bodyPr>
+            <a:normAutofit/>
+          </a:bodyPr>
           <a:lstStyle/>
           <a:p>
             <a:r>
@@ -3472,13 +3479,25 @@
             </a:r>
           </a:p>
           <a:p>
+            <a:r>
+              <a:rPr lang="en-US" dirty="0"/>
+              <a:t> A question of interest is whether season 2 of tv shows tend to be better or worse than season 1</a:t>
+            </a:r>
+          </a:p>
+          <a:p>
+            <a:r>
+              <a:rPr lang="en-US" dirty="0"/>
+              <a:t>One way of testing this is with a two-sample t test for difference in population means, however we would be violating the assumption that our two samples are independent</a:t>
+            </a:r>
+          </a:p>
+          <a:p>
+            <a:r>
+              <a:rPr lang="en-US" dirty="0"/>
+              <a:t>Use Monte Carlo analysis to determine the effectiveness of a two-sample t test for a difference in population means between season 1 and season 2 of tv shows when different assumptions are applied</a:t>
+            </a:r>
+          </a:p>
+          <a:p>
             <a:endParaRPr lang="en-US" dirty="0"/>
-          </a:p>
-          <a:p>
-            <a:r>
-              <a:rPr lang="en-US" dirty="0"/>
-              <a:t>Use Monte Carlo analysis to determine the effectiveness of a two-sample t test for a difference in population means between season 1 and season 2 of tv shows.</a:t>
-            </a:r>
           </a:p>
         </p:txBody>
       </p:sp>
@@ -3710,7 +3729,7 @@
           <p:cNvPr id="2" name="Title 1">
             <a:extLst>
               <a:ext uri="{FF2B5EF4-FFF2-40B4-BE49-F238E27FC236}">
-                <a16:creationId xmlns:a16="http://schemas.microsoft.com/office/drawing/2014/main" id="{9E5DFA6D-CD51-4530-A0A4-309DA1A83038}"/>
+                <a16:creationId xmlns:a16="http://schemas.microsoft.com/office/drawing/2014/main" id="{D7C096BE-260F-449E-B62E-FCD0ED6CFC06}"/>
               </a:ext>
             </a:extLst>
           </p:cNvPr>
@@ -3728,7 +3747,7 @@
           <a:p>
             <a:r>
               <a:rPr lang="en-US" dirty="0"/>
-              <a:t>Background</a:t>
+              <a:t>Exploratory Analysis</a:t>
             </a:r>
           </a:p>
         </p:txBody>
@@ -3738,7 +3757,7 @@
           <p:cNvPr id="3" name="Content Placeholder 2">
             <a:extLst>
               <a:ext uri="{FF2B5EF4-FFF2-40B4-BE49-F238E27FC236}">
-                <a16:creationId xmlns:a16="http://schemas.microsoft.com/office/drawing/2014/main" id="{4B0038BD-3421-4DC6-9824-2D24EF7EB49B}"/>
+                <a16:creationId xmlns:a16="http://schemas.microsoft.com/office/drawing/2014/main" id="{25678A76-F2C1-4110-8BDA-5699F9FEAE56}"/>
               </a:ext>
             </a:extLst>
           </p:cNvPr>
@@ -3753,38 +3772,6 @@
         <p:txBody>
           <a:bodyPr/>
           <a:lstStyle/>
-          <a:p>
-            <a:pPr marL="0" indent="0">
-              <a:buNone/>
-            </a:pPr>
-            <a:r>
-              <a:rPr lang="en-US" dirty="0"/>
-              <a:t>Suppose we want to test for a difference in population means between season 1 and season 2 ratings.  We can try to do this with a two sample T test, however the assumptions will not be properly met:</a:t>
-            </a:r>
-          </a:p>
-          <a:p>
-            <a:pPr marL="0" indent="0">
-              <a:buNone/>
-            </a:pPr>
-            <a:r>
-              <a:rPr lang="en-US" dirty="0"/>
-              <a:t>To run a two sample T test properly here we have to assume that season 1 and season 2 ratings are independent of one another.  This is obviously not the case, since people who vote on season 1 will likely also vote on season 2. How much would the results of a two sample T test be harmed by this violation?  We aim to answer this using monte </a:t>
-            </a:r>
-            <a:r>
-              <a:rPr lang="en-US" dirty="0" err="1"/>
-              <a:t>carlo</a:t>
-            </a:r>
-            <a:r>
-              <a:rPr lang="en-US" dirty="0"/>
-              <a:t> simulation.</a:t>
-            </a:r>
-          </a:p>
-          <a:p>
-            <a:pPr marL="0" indent="0">
-              <a:buNone/>
-            </a:pPr>
-            <a:endParaRPr lang="en-US" dirty="0"/>
-          </a:p>
           <a:p>
             <a:pPr marL="0" indent="0">
               <a:buNone/>
@@ -3796,7 +3783,7 @@
     </p:spTree>
     <p:extLst>
       <p:ext uri="{BB962C8B-B14F-4D97-AF65-F5344CB8AC3E}">
-        <p14:creationId xmlns:p14="http://schemas.microsoft.com/office/powerpoint/2010/main" val="1289069313"/>
+        <p14:creationId xmlns:p14="http://schemas.microsoft.com/office/powerpoint/2010/main" val="580668970"/>
       </p:ext>
     </p:extLst>
   </p:cSld>
@@ -3828,7 +3815,7 @@
           <p:cNvPr id="2" name="Title 1">
             <a:extLst>
               <a:ext uri="{FF2B5EF4-FFF2-40B4-BE49-F238E27FC236}">
-                <a16:creationId xmlns:a16="http://schemas.microsoft.com/office/drawing/2014/main" id="{D7C096BE-260F-449E-B62E-FCD0ED6CFC06}"/>
+                <a16:creationId xmlns:a16="http://schemas.microsoft.com/office/drawing/2014/main" id="{9E5DFA6D-CD51-4530-A0A4-309DA1A83038}"/>
               </a:ext>
             </a:extLst>
           </p:cNvPr>
@@ -3844,42 +3831,77 @@
           <a:bodyPr/>
           <a:lstStyle/>
           <a:p>
+            <a:r>
+              <a:rPr lang="en-US" dirty="0"/>
+              <a:t>Background</a:t>
+            </a:r>
+          </a:p>
+        </p:txBody>
+      </p:sp>
+      <p:sp>
+        <p:nvSpPr>
+          <p:cNvPr id="3" name="Content Placeholder 2">
+            <a:extLst>
+              <a:ext uri="{FF2B5EF4-FFF2-40B4-BE49-F238E27FC236}">
+                <a16:creationId xmlns:a16="http://schemas.microsoft.com/office/drawing/2014/main" id="{4B0038BD-3421-4DC6-9824-2D24EF7EB49B}"/>
+              </a:ext>
+            </a:extLst>
+          </p:cNvPr>
+          <p:cNvSpPr>
+            <a:spLocks noGrp="1"/>
+          </p:cNvSpPr>
+          <p:nvPr>
+            <p:ph idx="1"/>
+          </p:nvPr>
+        </p:nvSpPr>
+        <p:spPr/>
+        <p:txBody>
+          <a:bodyPr/>
+          <a:lstStyle/>
+          <a:p>
+            <a:pPr marL="0" indent="0">
+              <a:buNone/>
+            </a:pPr>
+            <a:r>
+              <a:rPr lang="en-US" dirty="0"/>
+              <a:t>Suppose we want to test for a difference in population means between season 1 and season 2 ratings.  We can try to do this with a two sample T test, however the assumptions will not be properly met:</a:t>
+            </a:r>
+          </a:p>
+          <a:p>
+            <a:pPr marL="0" indent="0">
+              <a:buNone/>
+            </a:pPr>
+            <a:r>
+              <a:rPr lang="en-US" dirty="0"/>
+              <a:t>To run a two sample T test properly here we have to assume that season 1 and season 2 ratings are independent of one another.  This is obviously not the case, since people who vote on season 1 will likely also vote on season 2. How much would the results of a two sample T test be harmed by this violation?  We aim to answer this using monte </a:t>
+            </a:r>
+            <a:r>
+              <a:rPr lang="en-US" dirty="0" err="1"/>
+              <a:t>carlo</a:t>
+            </a:r>
+            <a:r>
+              <a:rPr lang="en-US" dirty="0"/>
+              <a:t> simulation.</a:t>
+            </a:r>
+          </a:p>
+          <a:p>
+            <a:pPr marL="0" indent="0">
+              <a:buNone/>
+            </a:pPr>
             <a:endParaRPr lang="en-US" dirty="0"/>
           </a:p>
-        </p:txBody>
-      </p:sp>
-      <p:sp>
-        <p:nvSpPr>
-          <p:cNvPr id="3" name="Content Placeholder 2">
-            <a:extLst>
-              <a:ext uri="{FF2B5EF4-FFF2-40B4-BE49-F238E27FC236}">
-                <a16:creationId xmlns:a16="http://schemas.microsoft.com/office/drawing/2014/main" id="{25678A76-F2C1-4110-8BDA-5699F9FEAE56}"/>
-              </a:ext>
-            </a:extLst>
-          </p:cNvPr>
-          <p:cNvSpPr>
-            <a:spLocks noGrp="1"/>
-          </p:cNvSpPr>
-          <p:nvPr>
-            <p:ph idx="1"/>
-          </p:nvPr>
-        </p:nvSpPr>
-        <p:spPr/>
-        <p:txBody>
-          <a:bodyPr/>
-          <a:lstStyle/>
-          <a:p>
-            <a:r>
-              <a:rPr lang="en-US" dirty="0"/>
-              <a:t>How effective </a:t>
-            </a:r>
+          <a:p>
+            <a:pPr marL="0" indent="0">
+              <a:buNone/>
+            </a:pPr>
+            <a:endParaRPr lang="en-US" dirty="0"/>
           </a:p>
         </p:txBody>
       </p:sp>
     </p:spTree>
     <p:extLst>
       <p:ext uri="{BB962C8B-B14F-4D97-AF65-F5344CB8AC3E}">
-        <p14:creationId xmlns:p14="http://schemas.microsoft.com/office/powerpoint/2010/main" val="580668970"/>
+        <p14:creationId xmlns:p14="http://schemas.microsoft.com/office/powerpoint/2010/main" val="1289069313"/>
       </p:ext>
     </p:extLst>
   </p:cSld>

--- a/400 Presentation.pptx
+++ b/400 Presentation.pptx
@@ -10,7 +10,8 @@
     <p:sldId id="260" r:id="rId4"/>
     <p:sldId id="261" r:id="rId5"/>
     <p:sldId id="258" r:id="rId6"/>
-    <p:sldId id="257" r:id="rId7"/>
+    <p:sldId id="262" r:id="rId7"/>
+    <p:sldId id="257" r:id="rId8"/>
   </p:sldIdLst>
   <p:sldSz cx="12192000" cy="6858000"/>
   <p:notesSz cx="6858000" cy="9144000"/>
@@ -115,6 +116,169 @@
     </p:ext>
   </p:extLst>
 </p:presentation>
+</file>
+
+<file path=ppt/revisionInfo.xml><?xml version="1.0" encoding="utf-8"?>
+<p1510:revInfo xmlns:a="http://schemas.openxmlformats.org/drawingml/2006/main" xmlns:r="http://schemas.openxmlformats.org/officeDocument/2006/relationships" xmlns:p1510="http://schemas.microsoft.com/office/powerpoint/2015/10/main">
+  <p1510:revLst>
+    <p1510:client id="{19DCA71C-59DA-4BE2-80FE-712F63F41E9E}" v="7" dt="2021-12-08T07:45:33.608"/>
+  </p1510:revLst>
+</p1510:revInfo>
+</file>
+
+<file path=ppt/changesInfos/changesInfo1.xml><?xml version="1.0" encoding="utf-8"?>
+<pc:chgInfo xmlns:a="http://schemas.openxmlformats.org/drawingml/2006/main" xmlns:r="http://schemas.openxmlformats.org/officeDocument/2006/relationships" xmlns:ac="http://schemas.microsoft.com/office/drawing/2013/main/command" xmlns:pc="http://schemas.microsoft.com/office/powerpoint/2013/main/command">
+  <pc:docChgLst>
+    <pc:chgData name="dan" userId="52998601ba1e9464" providerId="LiveId" clId="{19DCA71C-59DA-4BE2-80FE-712F63F41E9E}"/>
+    <pc:docChg chg="undo custSel addSld modSld">
+      <pc:chgData name="dan" userId="52998601ba1e9464" providerId="LiveId" clId="{19DCA71C-59DA-4BE2-80FE-712F63F41E9E}" dt="2021-12-08T07:48:22.235" v="797" actId="20577"/>
+      <pc:docMkLst>
+        <pc:docMk/>
+      </pc:docMkLst>
+      <pc:sldChg chg="addSp delSp modSp mod">
+        <pc:chgData name="dan" userId="52998601ba1e9464" providerId="LiveId" clId="{19DCA71C-59DA-4BE2-80FE-712F63F41E9E}" dt="2021-12-08T07:48:22.235" v="797" actId="20577"/>
+        <pc:sldMkLst>
+          <pc:docMk/>
+          <pc:sldMk cId="1289069313" sldId="257"/>
+        </pc:sldMkLst>
+        <pc:spChg chg="mod">
+          <ac:chgData name="dan" userId="52998601ba1e9464" providerId="LiveId" clId="{19DCA71C-59DA-4BE2-80FE-712F63F41E9E}" dt="2021-12-08T07:42:30.267" v="212" actId="20577"/>
+          <ac:spMkLst>
+            <pc:docMk/>
+            <pc:sldMk cId="1289069313" sldId="257"/>
+            <ac:spMk id="2" creationId="{9E5DFA6D-CD51-4530-A0A4-309DA1A83038}"/>
+          </ac:spMkLst>
+        </pc:spChg>
+        <pc:spChg chg="del mod">
+          <ac:chgData name="dan" userId="52998601ba1e9464" providerId="LiveId" clId="{19DCA71C-59DA-4BE2-80FE-712F63F41E9E}" dt="2021-12-08T07:42:16.681" v="185" actId="478"/>
+          <ac:spMkLst>
+            <pc:docMk/>
+            <pc:sldMk cId="1289069313" sldId="257"/>
+            <ac:spMk id="3" creationId="{4B0038BD-3421-4DC6-9824-2D24EF7EB49B}"/>
+          </ac:spMkLst>
+        </pc:spChg>
+        <pc:spChg chg="add del mod">
+          <ac:chgData name="dan" userId="52998601ba1e9464" providerId="LiveId" clId="{19DCA71C-59DA-4BE2-80FE-712F63F41E9E}" dt="2021-12-08T07:42:20.756" v="186" actId="478"/>
+          <ac:spMkLst>
+            <pc:docMk/>
+            <pc:sldMk cId="1289069313" sldId="257"/>
+            <ac:spMk id="5" creationId="{AA14C672-2F12-46FB-AB3E-6AB931B4B491}"/>
+          </ac:spMkLst>
+        </pc:spChg>
+        <pc:spChg chg="add mod">
+          <ac:chgData name="dan" userId="52998601ba1e9464" providerId="LiveId" clId="{19DCA71C-59DA-4BE2-80FE-712F63F41E9E}" dt="2021-12-08T07:48:22.235" v="797" actId="20577"/>
+          <ac:spMkLst>
+            <pc:docMk/>
+            <pc:sldMk cId="1289069313" sldId="257"/>
+            <ac:spMk id="10" creationId="{2C3B73E5-1FB1-4FEE-8465-0A9E1F996B71}"/>
+          </ac:spMkLst>
+        </pc:spChg>
+        <pc:picChg chg="add mod">
+          <ac:chgData name="dan" userId="52998601ba1e9464" providerId="LiveId" clId="{19DCA71C-59DA-4BE2-80FE-712F63F41E9E}" dt="2021-12-08T07:45:19.367" v="230" actId="1076"/>
+          <ac:picMkLst>
+            <pc:docMk/>
+            <pc:sldMk cId="1289069313" sldId="257"/>
+            <ac:picMk id="7" creationId="{70DE78D2-8F2A-4A35-B01D-DB1AD0115AD6}"/>
+          </ac:picMkLst>
+        </pc:picChg>
+        <pc:picChg chg="add mod">
+          <ac:chgData name="dan" userId="52998601ba1e9464" providerId="LiveId" clId="{19DCA71C-59DA-4BE2-80FE-712F63F41E9E}" dt="2021-12-08T07:45:21.918" v="231" actId="1076"/>
+          <ac:picMkLst>
+            <pc:docMk/>
+            <pc:sldMk cId="1289069313" sldId="257"/>
+            <ac:picMk id="9" creationId="{DFC5AD88-4424-4464-B69C-6FA2ADFE44A9}"/>
+          </ac:picMkLst>
+        </pc:picChg>
+      </pc:sldChg>
+      <pc:sldChg chg="addSp delSp modSp mod">
+        <pc:chgData name="dan" userId="52998601ba1e9464" providerId="LiveId" clId="{19DCA71C-59DA-4BE2-80FE-712F63F41E9E}" dt="2021-12-08T07:36:14.420" v="20" actId="14100"/>
+        <pc:sldMkLst>
+          <pc:docMk/>
+          <pc:sldMk cId="580668970" sldId="258"/>
+        </pc:sldMkLst>
+        <pc:spChg chg="del">
+          <ac:chgData name="dan" userId="52998601ba1e9464" providerId="LiveId" clId="{19DCA71C-59DA-4BE2-80FE-712F63F41E9E}" dt="2021-12-08T07:35:23.237" v="0" actId="478"/>
+          <ac:spMkLst>
+            <pc:docMk/>
+            <pc:sldMk cId="580668970" sldId="258"/>
+            <ac:spMk id="3" creationId="{25678A76-F2C1-4110-8BDA-5699F9FEAE56}"/>
+          </ac:spMkLst>
+        </pc:spChg>
+        <pc:picChg chg="add mod">
+          <ac:chgData name="dan" userId="52998601ba1e9464" providerId="LiveId" clId="{19DCA71C-59DA-4BE2-80FE-712F63F41E9E}" dt="2021-12-08T07:36:14.420" v="20" actId="14100"/>
+          <ac:picMkLst>
+            <pc:docMk/>
+            <pc:sldMk cId="580668970" sldId="258"/>
+            <ac:picMk id="5" creationId="{B980D2B5-DAA9-4C40-A838-2ECB31198CE1}"/>
+          </ac:picMkLst>
+        </pc:picChg>
+        <pc:picChg chg="add mod">
+          <ac:chgData name="dan" userId="52998601ba1e9464" providerId="LiveId" clId="{19DCA71C-59DA-4BE2-80FE-712F63F41E9E}" dt="2021-12-08T07:36:07.592" v="18" actId="1076"/>
+          <ac:picMkLst>
+            <pc:docMk/>
+            <pc:sldMk cId="580668970" sldId="258"/>
+            <ac:picMk id="7" creationId="{A233FFCC-F9B6-4154-8C3A-63783D8220F5}"/>
+          </ac:picMkLst>
+        </pc:picChg>
+      </pc:sldChg>
+      <pc:sldChg chg="addSp delSp modSp new mod setBg">
+        <pc:chgData name="dan" userId="52998601ba1e9464" providerId="LiveId" clId="{19DCA71C-59DA-4BE2-80FE-712F63F41E9E}" dt="2021-12-08T07:41:14.323" v="183" actId="1076"/>
+        <pc:sldMkLst>
+          <pc:docMk/>
+          <pc:sldMk cId="2743115097" sldId="262"/>
+        </pc:sldMkLst>
+        <pc:spChg chg="mod">
+          <ac:chgData name="dan" userId="52998601ba1e9464" providerId="LiveId" clId="{19DCA71C-59DA-4BE2-80FE-712F63F41E9E}" dt="2021-12-08T07:38:59.364" v="89" actId="26606"/>
+          <ac:spMkLst>
+            <pc:docMk/>
+            <pc:sldMk cId="2743115097" sldId="262"/>
+            <ac:spMk id="2" creationId="{E5B8839D-2390-48A0-855D-9B4EDC7D4CF3}"/>
+          </ac:spMkLst>
+        </pc:spChg>
+        <pc:spChg chg="del">
+          <ac:chgData name="dan" userId="52998601ba1e9464" providerId="LiveId" clId="{19DCA71C-59DA-4BE2-80FE-712F63F41E9E}" dt="2021-12-08T07:36:55.797" v="48" actId="478"/>
+          <ac:spMkLst>
+            <pc:docMk/>
+            <pc:sldMk cId="2743115097" sldId="262"/>
+            <ac:spMk id="3" creationId="{FE6FCEB1-FB48-48FF-9997-6A6C35FE5405}"/>
+          </ac:spMkLst>
+        </pc:spChg>
+        <pc:spChg chg="add mod">
+          <ac:chgData name="dan" userId="52998601ba1e9464" providerId="LiveId" clId="{19DCA71C-59DA-4BE2-80FE-712F63F41E9E}" dt="2021-12-08T07:41:14.323" v="183" actId="1076"/>
+          <ac:spMkLst>
+            <pc:docMk/>
+            <pc:sldMk cId="2743115097" sldId="262"/>
+            <ac:spMk id="6" creationId="{BC1900E9-18DE-487E-B7DA-304849EE4E63}"/>
+          </ac:spMkLst>
+        </pc:spChg>
+        <pc:spChg chg="add del">
+          <ac:chgData name="dan" userId="52998601ba1e9464" providerId="LiveId" clId="{19DCA71C-59DA-4BE2-80FE-712F63F41E9E}" dt="2021-12-08T07:38:59.364" v="89" actId="26606"/>
+          <ac:spMkLst>
+            <pc:docMk/>
+            <pc:sldMk cId="2743115097" sldId="262"/>
+            <ac:spMk id="11" creationId="{FF9B822F-893E-44C8-963C-64F50ACECBB2}"/>
+          </ac:spMkLst>
+        </pc:spChg>
+        <pc:spChg chg="add del">
+          <ac:chgData name="dan" userId="52998601ba1e9464" providerId="LiveId" clId="{19DCA71C-59DA-4BE2-80FE-712F63F41E9E}" dt="2021-12-08T07:38:59.364" v="89" actId="26606"/>
+          <ac:spMkLst>
+            <pc:docMk/>
+            <pc:sldMk cId="2743115097" sldId="262"/>
+            <ac:spMk id="13" creationId="{EBF87945-A001-489F-9D9B-7D9435F0B9CA}"/>
+          </ac:spMkLst>
+        </pc:spChg>
+        <pc:picChg chg="add mod">
+          <ac:chgData name="dan" userId="52998601ba1e9464" providerId="LiveId" clId="{19DCA71C-59DA-4BE2-80FE-712F63F41E9E}" dt="2021-12-08T07:38:59.364" v="89" actId="26606"/>
+          <ac:picMkLst>
+            <pc:docMk/>
+            <pc:sldMk cId="2743115097" sldId="262"/>
+            <ac:picMk id="5" creationId="{275C2D2F-DC04-476B-A7A2-FB99EB75DC10}"/>
+          </ac:picMkLst>
+        </pc:picChg>
+      </pc:sldChg>
+    </pc:docChg>
+  </pc:docChgLst>
+</pc:chgInfo>
 </file>
 
 <file path=ppt/slideLayouts/slideLayout1.xml><?xml version="1.0" encoding="utf-8"?>
@@ -3752,34 +3916,78 @@
           </a:p>
         </p:txBody>
       </p:sp>
-      <p:sp>
-        <p:nvSpPr>
-          <p:cNvPr id="3" name="Content Placeholder 2">
-            <a:extLst>
-              <a:ext uri="{FF2B5EF4-FFF2-40B4-BE49-F238E27FC236}">
-                <a16:creationId xmlns:a16="http://schemas.microsoft.com/office/drawing/2014/main" id="{25678A76-F2C1-4110-8BDA-5699F9FEAE56}"/>
-              </a:ext>
-            </a:extLst>
-          </p:cNvPr>
-          <p:cNvSpPr>
-            <a:spLocks noGrp="1"/>
-          </p:cNvSpPr>
-          <p:nvPr>
-            <p:ph idx="1"/>
-          </p:nvPr>
-        </p:nvSpPr>
-        <p:spPr/>
-        <p:txBody>
-          <a:bodyPr/>
-          <a:lstStyle/>
-          <a:p>
-            <a:pPr marL="0" indent="0">
-              <a:buNone/>
-            </a:pPr>
-            <a:endParaRPr lang="en-US" dirty="0"/>
-          </a:p>
-        </p:txBody>
-      </p:sp>
+      <p:pic>
+        <p:nvPicPr>
+          <p:cNvPr id="5" name="Picture 4" descr="Chart, histogram&#10;&#10;Description automatically generated">
+            <a:extLst>
+              <a:ext uri="{FF2B5EF4-FFF2-40B4-BE49-F238E27FC236}">
+                <a16:creationId xmlns:a16="http://schemas.microsoft.com/office/drawing/2014/main" id="{B980D2B5-DAA9-4C40-A838-2ECB31198CE1}"/>
+              </a:ext>
+            </a:extLst>
+          </p:cNvPr>
+          <p:cNvPicPr>
+            <a:picLocks noChangeAspect="1"/>
+          </p:cNvPicPr>
+          <p:nvPr/>
+        </p:nvPicPr>
+        <p:blipFill>
+          <a:blip r:embed="rId2">
+            <a:extLst>
+              <a:ext uri="{28A0092B-C50C-407E-A947-70E740481C1C}">
+                <a14:useLocalDpi xmlns:a14="http://schemas.microsoft.com/office/drawing/2010/main" val="0"/>
+              </a:ext>
+            </a:extLst>
+          </a:blip>
+          <a:stretch>
+            <a:fillRect/>
+          </a:stretch>
+        </p:blipFill>
+        <p:spPr>
+          <a:xfrm>
+            <a:off x="181077" y="1794428"/>
+            <a:ext cx="5982414" cy="3692004"/>
+          </a:xfrm>
+          <a:prstGeom prst="rect">
+            <a:avLst/>
+          </a:prstGeom>
+        </p:spPr>
+      </p:pic>
+      <p:pic>
+        <p:nvPicPr>
+          <p:cNvPr id="7" name="Picture 6" descr="Chart, histogram&#10;&#10;Description automatically generated">
+            <a:extLst>
+              <a:ext uri="{FF2B5EF4-FFF2-40B4-BE49-F238E27FC236}">
+                <a16:creationId xmlns:a16="http://schemas.microsoft.com/office/drawing/2014/main" id="{A233FFCC-F9B6-4154-8C3A-63783D8220F5}"/>
+              </a:ext>
+            </a:extLst>
+          </p:cNvPr>
+          <p:cNvPicPr>
+            <a:picLocks noChangeAspect="1"/>
+          </p:cNvPicPr>
+          <p:nvPr/>
+        </p:nvPicPr>
+        <p:blipFill>
+          <a:blip r:embed="rId3">
+            <a:extLst>
+              <a:ext uri="{28A0092B-C50C-407E-A947-70E740481C1C}">
+                <a14:useLocalDpi xmlns:a14="http://schemas.microsoft.com/office/drawing/2010/main" val="0"/>
+              </a:ext>
+            </a:extLst>
+          </a:blip>
+          <a:stretch>
+            <a:fillRect/>
+          </a:stretch>
+        </p:blipFill>
+        <p:spPr>
+          <a:xfrm>
+            <a:off x="6163490" y="1794428"/>
+            <a:ext cx="5982412" cy="3692004"/>
+          </a:xfrm>
+          <a:prstGeom prst="rect">
+            <a:avLst/>
+          </a:prstGeom>
+        </p:spPr>
+      </p:pic>
     </p:spTree>
     <p:extLst>
       <p:ext uri="{BB962C8B-B14F-4D97-AF65-F5344CB8AC3E}">
@@ -3815,6 +4023,168 @@
           <p:cNvPr id="2" name="Title 1">
             <a:extLst>
               <a:ext uri="{FF2B5EF4-FFF2-40B4-BE49-F238E27FC236}">
+                <a16:creationId xmlns:a16="http://schemas.microsoft.com/office/drawing/2014/main" id="{E5B8839D-2390-48A0-855D-9B4EDC7D4CF3}"/>
+              </a:ext>
+            </a:extLst>
+          </p:cNvPr>
+          <p:cNvSpPr>
+            <a:spLocks noGrp="1"/>
+          </p:cNvSpPr>
+          <p:nvPr>
+            <p:ph type="title"/>
+          </p:nvPr>
+        </p:nvSpPr>
+        <p:spPr/>
+        <p:txBody>
+          <a:bodyPr/>
+          <a:lstStyle/>
+          <a:p>
+            <a:r>
+              <a:rPr lang="en-US" dirty="0"/>
+              <a:t>Exploratory Analysis Cont.</a:t>
+            </a:r>
+          </a:p>
+        </p:txBody>
+      </p:sp>
+      <p:pic>
+        <p:nvPicPr>
+          <p:cNvPr id="5" name="Picture 4" descr="Chart, histogram&#10;&#10;Description automatically generated">
+            <a:extLst>
+              <a:ext uri="{FF2B5EF4-FFF2-40B4-BE49-F238E27FC236}">
+                <a16:creationId xmlns:a16="http://schemas.microsoft.com/office/drawing/2014/main" id="{275C2D2F-DC04-476B-A7A2-FB99EB75DC10}"/>
+              </a:ext>
+            </a:extLst>
+          </p:cNvPr>
+          <p:cNvPicPr>
+            <a:picLocks noChangeAspect="1"/>
+          </p:cNvPicPr>
+          <p:nvPr/>
+        </p:nvPicPr>
+        <p:blipFill>
+          <a:blip r:embed="rId2">
+            <a:extLst>
+              <a:ext uri="{28A0092B-C50C-407E-A947-70E740481C1C}">
+                <a14:useLocalDpi xmlns:a14="http://schemas.microsoft.com/office/drawing/2010/main" val="0"/>
+              </a:ext>
+            </a:extLst>
+          </a:blip>
+          <a:stretch>
+            <a:fillRect/>
+          </a:stretch>
+        </p:blipFill>
+        <p:spPr>
+          <a:xfrm>
+            <a:off x="497698" y="1690688"/>
+            <a:ext cx="7062901" cy="4358819"/>
+          </a:xfrm>
+          <a:prstGeom prst="rect">
+            <a:avLst/>
+          </a:prstGeom>
+        </p:spPr>
+      </p:pic>
+      <p:sp>
+        <p:nvSpPr>
+          <p:cNvPr id="6" name="TextBox 5">
+            <a:extLst>
+              <a:ext uri="{FF2B5EF4-FFF2-40B4-BE49-F238E27FC236}">
+                <a16:creationId xmlns:a16="http://schemas.microsoft.com/office/drawing/2014/main" id="{BC1900E9-18DE-487E-B7DA-304849EE4E63}"/>
+              </a:ext>
+            </a:extLst>
+          </p:cNvPr>
+          <p:cNvSpPr txBox="1"/>
+          <p:nvPr/>
+        </p:nvSpPr>
+        <p:spPr>
+          <a:xfrm>
+            <a:off x="8039947" y="1690688"/>
+            <a:ext cx="3163146" cy="2031325"/>
+          </a:xfrm>
+          <a:prstGeom prst="rect">
+            <a:avLst/>
+          </a:prstGeom>
+          <a:noFill/>
+        </p:spPr>
+        <p:txBody>
+          <a:bodyPr wrap="square" rtlCol="0">
+            <a:spAutoFit/>
+          </a:bodyPr>
+          <a:lstStyle/>
+          <a:p>
+            <a:r>
+              <a:rPr lang="en-US" dirty="0"/>
+              <a:t>Season 1</a:t>
+            </a:r>
+          </a:p>
+          <a:p>
+            <a:r>
+              <a:rPr lang="en-US" dirty="0"/>
+              <a:t>Mean: 7.67</a:t>
+            </a:r>
+          </a:p>
+          <a:p>
+            <a:r>
+              <a:rPr lang="en-US" dirty="0"/>
+              <a:t>SD:       .627</a:t>
+            </a:r>
+          </a:p>
+          <a:p>
+            <a:endParaRPr lang="en-US" dirty="0"/>
+          </a:p>
+          <a:p>
+            <a:r>
+              <a:rPr lang="en-US" dirty="0"/>
+              <a:t>Season 2</a:t>
+            </a:r>
+          </a:p>
+          <a:p>
+            <a:r>
+              <a:rPr lang="en-US" dirty="0"/>
+              <a:t>Mean: 7.71</a:t>
+            </a:r>
+          </a:p>
+          <a:p>
+            <a:r>
+              <a:rPr lang="en-US" dirty="0"/>
+              <a:t>SD:      .725</a:t>
+            </a:r>
+          </a:p>
+        </p:txBody>
+      </p:sp>
+    </p:spTree>
+    <p:extLst>
+      <p:ext uri="{BB962C8B-B14F-4D97-AF65-F5344CB8AC3E}">
+        <p14:creationId xmlns:p14="http://schemas.microsoft.com/office/powerpoint/2010/main" val="2743115097"/>
+      </p:ext>
+    </p:extLst>
+  </p:cSld>
+  <p:clrMapOvr>
+    <a:masterClrMapping/>
+  </p:clrMapOvr>
+</p:sld>
+</file>
+
+<file path=ppt/slides/slide7.xml><?xml version="1.0" encoding="utf-8"?>
+<p:sld xmlns:a="http://schemas.openxmlformats.org/drawingml/2006/main" xmlns:r="http://schemas.openxmlformats.org/officeDocument/2006/relationships" xmlns:p="http://schemas.openxmlformats.org/presentationml/2006/main">
+  <p:cSld>
+    <p:spTree>
+      <p:nvGrpSpPr>
+        <p:cNvPr id="1" name=""/>
+        <p:cNvGrpSpPr/>
+        <p:nvPr/>
+      </p:nvGrpSpPr>
+      <p:grpSpPr>
+        <a:xfrm>
+          <a:off x="0" y="0"/>
+          <a:ext cx="0" cy="0"/>
+          <a:chOff x="0" y="0"/>
+          <a:chExt cx="0" cy="0"/>
+        </a:xfrm>
+      </p:grpSpPr>
+      <p:sp>
+        <p:nvSpPr>
+          <p:cNvPr id="2" name="Title 1">
+            <a:extLst>
+              <a:ext uri="{FF2B5EF4-FFF2-40B4-BE49-F238E27FC236}">
                 <a16:creationId xmlns:a16="http://schemas.microsoft.com/office/drawing/2014/main" id="{9E5DFA6D-CD51-4530-A0A4-309DA1A83038}"/>
               </a:ext>
             </a:extLst>
@@ -3833,68 +4203,129 @@
           <a:p>
             <a:r>
               <a:rPr lang="en-US" dirty="0"/>
-              <a:t>Background</a:t>
-            </a:r>
-          </a:p>
-        </p:txBody>
-      </p:sp>
-      <p:sp>
-        <p:nvSpPr>
-          <p:cNvPr id="3" name="Content Placeholder 2">
-            <a:extLst>
-              <a:ext uri="{FF2B5EF4-FFF2-40B4-BE49-F238E27FC236}">
-                <a16:creationId xmlns:a16="http://schemas.microsoft.com/office/drawing/2014/main" id="{4B0038BD-3421-4DC6-9824-2D24EF7EB49B}"/>
-              </a:ext>
-            </a:extLst>
-          </p:cNvPr>
-          <p:cNvSpPr>
-            <a:spLocks noGrp="1"/>
-          </p:cNvSpPr>
-          <p:nvPr>
-            <p:ph idx="1"/>
-          </p:nvPr>
-        </p:nvSpPr>
-        <p:spPr/>
-        <p:txBody>
-          <a:bodyPr/>
-          <a:lstStyle/>
-          <a:p>
-            <a:pPr marL="0" indent="0">
-              <a:buNone/>
-            </a:pPr>
+              <a:t>Exploratory Analysis Cont.</a:t>
+            </a:r>
+          </a:p>
+        </p:txBody>
+      </p:sp>
+      <p:pic>
+        <p:nvPicPr>
+          <p:cNvPr id="7" name="Picture 6" descr="Chart, line chart&#10;&#10;Description automatically generated">
+            <a:extLst>
+              <a:ext uri="{FF2B5EF4-FFF2-40B4-BE49-F238E27FC236}">
+                <a16:creationId xmlns:a16="http://schemas.microsoft.com/office/drawing/2014/main" id="{70DE78D2-8F2A-4A35-B01D-DB1AD0115AD6}"/>
+              </a:ext>
+            </a:extLst>
+          </p:cNvPr>
+          <p:cNvPicPr>
+            <a:picLocks noChangeAspect="1"/>
+          </p:cNvPicPr>
+          <p:nvPr/>
+        </p:nvPicPr>
+        <p:blipFill>
+          <a:blip r:embed="rId2">
+            <a:extLst>
+              <a:ext uri="{28A0092B-C50C-407E-A947-70E740481C1C}">
+                <a14:useLocalDpi xmlns:a14="http://schemas.microsoft.com/office/drawing/2010/main" val="0"/>
+              </a:ext>
+            </a:extLst>
+          </a:blip>
+          <a:stretch>
+            <a:fillRect/>
+          </a:stretch>
+        </p:blipFill>
+        <p:spPr>
+          <a:xfrm>
+            <a:off x="0" y="1690688"/>
+            <a:ext cx="6213804" cy="3834805"/>
+          </a:xfrm>
+          <a:prstGeom prst="rect">
+            <a:avLst/>
+          </a:prstGeom>
+        </p:spPr>
+      </p:pic>
+      <p:pic>
+        <p:nvPicPr>
+          <p:cNvPr id="9" name="Picture 8" descr="Chart, line chart&#10;&#10;Description automatically generated">
+            <a:extLst>
+              <a:ext uri="{FF2B5EF4-FFF2-40B4-BE49-F238E27FC236}">
+                <a16:creationId xmlns:a16="http://schemas.microsoft.com/office/drawing/2014/main" id="{DFC5AD88-4424-4464-B69C-6FA2ADFE44A9}"/>
+              </a:ext>
+            </a:extLst>
+          </p:cNvPr>
+          <p:cNvPicPr>
+            <a:picLocks noChangeAspect="1"/>
+          </p:cNvPicPr>
+          <p:nvPr/>
+        </p:nvPicPr>
+        <p:blipFill>
+          <a:blip r:embed="rId3">
+            <a:extLst>
+              <a:ext uri="{28A0092B-C50C-407E-A947-70E740481C1C}">
+                <a14:useLocalDpi xmlns:a14="http://schemas.microsoft.com/office/drawing/2010/main" val="0"/>
+              </a:ext>
+            </a:extLst>
+          </a:blip>
+          <a:stretch>
+            <a:fillRect/>
+          </a:stretch>
+        </p:blipFill>
+        <p:spPr>
+          <a:xfrm>
+            <a:off x="6213804" y="1690688"/>
+            <a:ext cx="6213805" cy="3834806"/>
+          </a:xfrm>
+          <a:prstGeom prst="rect">
+            <a:avLst/>
+          </a:prstGeom>
+        </p:spPr>
+      </p:pic>
+      <p:sp>
+        <p:nvSpPr>
+          <p:cNvPr id="10" name="TextBox 9">
+            <a:extLst>
+              <a:ext uri="{FF2B5EF4-FFF2-40B4-BE49-F238E27FC236}">
+                <a16:creationId xmlns:a16="http://schemas.microsoft.com/office/drawing/2014/main" id="{2C3B73E5-1FB1-4FEE-8465-0A9E1F996B71}"/>
+              </a:ext>
+            </a:extLst>
+          </p:cNvPr>
+          <p:cNvSpPr txBox="1"/>
+          <p:nvPr/>
+        </p:nvSpPr>
+        <p:spPr>
+          <a:xfrm>
+            <a:off x="411480" y="5846544"/>
+            <a:ext cx="11273343" cy="646331"/>
+          </a:xfrm>
+          <a:prstGeom prst="rect">
+            <a:avLst/>
+          </a:prstGeom>
+          <a:noFill/>
+        </p:spPr>
+        <p:txBody>
+          <a:bodyPr wrap="none" rtlCol="0">
+            <a:spAutoFit/>
+          </a:bodyPr>
+          <a:lstStyle/>
+          <a:p>
             <a:r>
               <a:rPr lang="en-US" dirty="0"/>
-              <a:t>Suppose we want to test for a difference in population means between season 1 and season 2 ratings.  We can try to do this with a two sample T test, however the assumptions will not be properly met:</a:t>
-            </a:r>
-          </a:p>
-          <a:p>
-            <a:pPr marL="0" indent="0">
-              <a:buNone/>
-            </a:pPr>
+              <a:t>Normal Quantile-Quantile plots are not perfectly linear.  It is probably acceptable for our data to vary from the normal </a:t>
+            </a:r>
+          </a:p>
+          <a:p>
             <a:r>
               <a:rPr lang="en-US" dirty="0"/>
-              <a:t>To run a two sample T test properly here we have to assume that season 1 and season 2 ratings are independent of one another.  This is obviously not the case, since people who vote on season 1 will likely also vote on season 2. How much would the results of a two sample T test be harmed by this violation?  We aim to answer this using monte </a:t>
-            </a:r>
-            <a:r>
-              <a:rPr lang="en-US" dirty="0" err="1"/>
-              <a:t>carlo</a:t>
+              <a:t>distribution to this extent, however we </a:t>
+            </a:r>
+            <a:r>
+              <a:rPr lang="en-US"/>
+              <a:t>are still </a:t>
             </a:r>
             <a:r>
               <a:rPr lang="en-US" dirty="0"/>
-              <a:t> simulation.</a:t>
-            </a:r>
-          </a:p>
-          <a:p>
-            <a:pPr marL="0" indent="0">
-              <a:buNone/>
-            </a:pPr>
-            <a:endParaRPr lang="en-US" dirty="0"/>
-          </a:p>
-          <a:p>
-            <a:pPr marL="0" indent="0">
-              <a:buNone/>
-            </a:pPr>
-            <a:endParaRPr lang="en-US" dirty="0"/>
+              <a:t>violating the normality assumption for two-sample T test somewhat.</a:t>
+            </a:r>
           </a:p>
         </p:txBody>
       </p:sp>

--- a/400 Presentation.pptx
+++ b/400 Presentation.pptx
@@ -12,6 +12,8 @@
     <p:sldId id="258" r:id="rId6"/>
     <p:sldId id="262" r:id="rId7"/>
     <p:sldId id="257" r:id="rId8"/>
+    <p:sldId id="263" r:id="rId9"/>
+    <p:sldId id="264" r:id="rId10"/>
   </p:sldIdLst>
   <p:sldSz cx="12192000" cy="6858000"/>
   <p:notesSz cx="6858000" cy="9144000"/>
@@ -121,7 +123,7 @@
 <file path=ppt/revisionInfo.xml><?xml version="1.0" encoding="utf-8"?>
 <p1510:revInfo xmlns:a="http://schemas.openxmlformats.org/drawingml/2006/main" xmlns:r="http://schemas.openxmlformats.org/officeDocument/2006/relationships" xmlns:p1510="http://schemas.microsoft.com/office/powerpoint/2015/10/main">
   <p1510:revLst>
-    <p1510:client id="{19DCA71C-59DA-4BE2-80FE-712F63F41E9E}" v="7" dt="2021-12-08T07:45:33.608"/>
+    <p1510:client id="{19DCA71C-59DA-4BE2-80FE-712F63F41E9E}" v="11" dt="2021-12-08T07:59:00.433"/>
   </p1510:revLst>
 </p1510:revInfo>
 </file>
@@ -131,7 +133,7 @@
   <pc:docChgLst>
     <pc:chgData name="dan" userId="52998601ba1e9464" providerId="LiveId" clId="{19DCA71C-59DA-4BE2-80FE-712F63F41E9E}"/>
     <pc:docChg chg="undo custSel addSld modSld">
-      <pc:chgData name="dan" userId="52998601ba1e9464" providerId="LiveId" clId="{19DCA71C-59DA-4BE2-80FE-712F63F41E9E}" dt="2021-12-08T07:48:22.235" v="797" actId="20577"/>
+      <pc:chgData name="dan" userId="52998601ba1e9464" providerId="LiveId" clId="{19DCA71C-59DA-4BE2-80FE-712F63F41E9E}" dt="2021-12-08T08:04:50.966" v="1605" actId="20577"/>
       <pc:docMkLst>
         <pc:docMk/>
       </pc:docMkLst>
@@ -275,6 +277,60 @@
             <ac:picMk id="5" creationId="{275C2D2F-DC04-476B-A7A2-FB99EB75DC10}"/>
           </ac:picMkLst>
         </pc:picChg>
+      </pc:sldChg>
+      <pc:sldChg chg="addSp delSp modSp new mod">
+        <pc:chgData name="dan" userId="52998601ba1e9464" providerId="LiveId" clId="{19DCA71C-59DA-4BE2-80FE-712F63F41E9E}" dt="2021-12-08T08:04:50.966" v="1605" actId="20577"/>
+        <pc:sldMkLst>
+          <pc:docMk/>
+          <pc:sldMk cId="1210001283" sldId="263"/>
+        </pc:sldMkLst>
+        <pc:spChg chg="mod">
+          <ac:chgData name="dan" userId="52998601ba1e9464" providerId="LiveId" clId="{19DCA71C-59DA-4BE2-80FE-712F63F41E9E}" dt="2021-12-08T07:54:40.773" v="849" actId="20577"/>
+          <ac:spMkLst>
+            <pc:docMk/>
+            <pc:sldMk cId="1210001283" sldId="263"/>
+            <ac:spMk id="2" creationId="{E901A6C3-F72A-497A-8E3E-CEF2E243711C}"/>
+          </ac:spMkLst>
+        </pc:spChg>
+        <pc:spChg chg="add del">
+          <ac:chgData name="dan" userId="52998601ba1e9464" providerId="LiveId" clId="{19DCA71C-59DA-4BE2-80FE-712F63F41E9E}" dt="2021-12-08T07:58:32.258" v="852" actId="931"/>
+          <ac:spMkLst>
+            <pc:docMk/>
+            <pc:sldMk cId="1210001283" sldId="263"/>
+            <ac:spMk id="3" creationId="{9E116683-A4BD-401D-9207-F5E6D7ECFB4B}"/>
+          </ac:spMkLst>
+        </pc:spChg>
+        <pc:spChg chg="add del mod">
+          <ac:chgData name="dan" userId="52998601ba1e9464" providerId="LiveId" clId="{19DCA71C-59DA-4BE2-80FE-712F63F41E9E}" dt="2021-12-08T07:57:55.240" v="851"/>
+          <ac:spMkLst>
+            <pc:docMk/>
+            <pc:sldMk cId="1210001283" sldId="263"/>
+            <ac:spMk id="4" creationId="{9E938546-A5D9-4B9E-974E-77763FA4084B}"/>
+          </ac:spMkLst>
+        </pc:spChg>
+        <pc:spChg chg="add mod">
+          <ac:chgData name="dan" userId="52998601ba1e9464" providerId="LiveId" clId="{19DCA71C-59DA-4BE2-80FE-712F63F41E9E}" dt="2021-12-08T08:04:50.966" v="1605" actId="20577"/>
+          <ac:spMkLst>
+            <pc:docMk/>
+            <pc:sldMk cId="1210001283" sldId="263"/>
+            <ac:spMk id="7" creationId="{F02D071F-AA99-4D7F-A54E-E2C18DEE2F4C}"/>
+          </ac:spMkLst>
+        </pc:spChg>
+        <pc:picChg chg="add mod">
+          <ac:chgData name="dan" userId="52998601ba1e9464" providerId="LiveId" clId="{19DCA71C-59DA-4BE2-80FE-712F63F41E9E}" dt="2021-12-08T07:58:41.139" v="855" actId="1076"/>
+          <ac:picMkLst>
+            <pc:docMk/>
+            <pc:sldMk cId="1210001283" sldId="263"/>
+            <ac:picMk id="6" creationId="{0CAA84E1-555A-4572-936B-19299817F9C9}"/>
+          </ac:picMkLst>
+        </pc:picChg>
+      </pc:sldChg>
+      <pc:sldChg chg="new">
+        <pc:chgData name="dan" userId="52998601ba1e9464" providerId="LiveId" clId="{19DCA71C-59DA-4BE2-80FE-712F63F41E9E}" dt="2021-12-08T08:01:20.699" v="1438" actId="680"/>
+        <pc:sldMkLst>
+          <pc:docMk/>
+          <pc:sldMk cId="1116559384" sldId="264"/>
+        </pc:sldMkLst>
       </pc:sldChg>
     </pc:docChg>
   </pc:docChgLst>
@@ -4342,6 +4398,228 @@
 </p:sld>
 </file>
 
+<file path=ppt/slides/slide8.xml><?xml version="1.0" encoding="utf-8"?>
+<p:sld xmlns:a="http://schemas.openxmlformats.org/drawingml/2006/main" xmlns:r="http://schemas.openxmlformats.org/officeDocument/2006/relationships" xmlns:p="http://schemas.openxmlformats.org/presentationml/2006/main">
+  <p:cSld>
+    <p:spTree>
+      <p:nvGrpSpPr>
+        <p:cNvPr id="1" name=""/>
+        <p:cNvGrpSpPr/>
+        <p:nvPr/>
+      </p:nvGrpSpPr>
+      <p:grpSpPr>
+        <a:xfrm>
+          <a:off x="0" y="0"/>
+          <a:ext cx="0" cy="0"/>
+          <a:chOff x="0" y="0"/>
+          <a:chExt cx="0" cy="0"/>
+        </a:xfrm>
+      </p:grpSpPr>
+      <p:sp>
+        <p:nvSpPr>
+          <p:cNvPr id="2" name="Title 1">
+            <a:extLst>
+              <a:ext uri="{FF2B5EF4-FFF2-40B4-BE49-F238E27FC236}">
+                <a16:creationId xmlns:a16="http://schemas.microsoft.com/office/drawing/2014/main" id="{E901A6C3-F72A-497A-8E3E-CEF2E243711C}"/>
+              </a:ext>
+            </a:extLst>
+          </p:cNvPr>
+          <p:cNvSpPr>
+            <a:spLocks noGrp="1"/>
+          </p:cNvSpPr>
+          <p:nvPr>
+            <p:ph type="title"/>
+          </p:nvPr>
+        </p:nvSpPr>
+        <p:spPr/>
+        <p:txBody>
+          <a:bodyPr/>
+          <a:lstStyle/>
+          <a:p>
+            <a:r>
+              <a:rPr lang="en-US" dirty="0"/>
+              <a:t>Two-Sample T Test Results</a:t>
+            </a:r>
+          </a:p>
+        </p:txBody>
+      </p:sp>
+      <p:pic>
+        <p:nvPicPr>
+          <p:cNvPr id="6" name="Content Placeholder 5" descr="Text, letter&#10;&#10;Description automatically generated">
+            <a:extLst>
+              <a:ext uri="{FF2B5EF4-FFF2-40B4-BE49-F238E27FC236}">
+                <a16:creationId xmlns:a16="http://schemas.microsoft.com/office/drawing/2014/main" id="{0CAA84E1-555A-4572-936B-19299817F9C9}"/>
+              </a:ext>
+            </a:extLst>
+          </p:cNvPr>
+          <p:cNvPicPr>
+            <a:picLocks noGrp="1" noChangeAspect="1"/>
+          </p:cNvPicPr>
+          <p:nvPr>
+            <p:ph idx="1"/>
+          </p:nvPr>
+        </p:nvPicPr>
+        <p:blipFill>
+          <a:blip r:embed="rId2">
+            <a:extLst>
+              <a:ext uri="{28A0092B-C50C-407E-A947-70E740481C1C}">
+                <a14:useLocalDpi xmlns:a14="http://schemas.microsoft.com/office/drawing/2010/main" val="0"/>
+              </a:ext>
+            </a:extLst>
+          </a:blip>
+          <a:stretch>
+            <a:fillRect/>
+          </a:stretch>
+        </p:blipFill>
+        <p:spPr>
+          <a:xfrm>
+            <a:off x="2785600" y="1690688"/>
+            <a:ext cx="6620799" cy="2448267"/>
+          </a:xfrm>
+        </p:spPr>
+      </p:pic>
+      <p:sp>
+        <p:nvSpPr>
+          <p:cNvPr id="7" name="TextBox 6">
+            <a:extLst>
+              <a:ext uri="{FF2B5EF4-FFF2-40B4-BE49-F238E27FC236}">
+                <a16:creationId xmlns:a16="http://schemas.microsoft.com/office/drawing/2014/main" id="{F02D071F-AA99-4D7F-A54E-E2C18DEE2F4C}"/>
+              </a:ext>
+            </a:extLst>
+          </p:cNvPr>
+          <p:cNvSpPr txBox="1"/>
+          <p:nvPr/>
+        </p:nvSpPr>
+        <p:spPr>
+          <a:xfrm>
+            <a:off x="2235200" y="4329854"/>
+            <a:ext cx="7545493" cy="1477328"/>
+          </a:xfrm>
+          <a:prstGeom prst="rect">
+            <a:avLst/>
+          </a:prstGeom>
+          <a:noFill/>
+        </p:spPr>
+        <p:txBody>
+          <a:bodyPr wrap="square" rtlCol="0">
+            <a:spAutoFit/>
+          </a:bodyPr>
+          <a:lstStyle/>
+          <a:p>
+            <a:r>
+              <a:rPr lang="en-US" dirty="0"/>
+              <a:t>We do not find statistically Significant evidence of a difference in population mean rating between first and second seasons of tv shows.  </a:t>
+            </a:r>
+          </a:p>
+          <a:p>
+            <a:endParaRPr lang="en-US" dirty="0"/>
+          </a:p>
+          <a:p>
+            <a:r>
+              <a:rPr lang="en-US" dirty="0"/>
+              <a:t>It could be worth trying to run this analysis again in the future if we have a larger pool of data than </a:t>
+            </a:r>
+            <a:r>
+              <a:rPr lang="en-US"/>
+              <a:t>226 observations.</a:t>
+            </a:r>
+            <a:endParaRPr lang="en-US" dirty="0"/>
+          </a:p>
+        </p:txBody>
+      </p:sp>
+    </p:spTree>
+    <p:extLst>
+      <p:ext uri="{BB962C8B-B14F-4D97-AF65-F5344CB8AC3E}">
+        <p14:creationId xmlns:p14="http://schemas.microsoft.com/office/powerpoint/2010/main" val="1210001283"/>
+      </p:ext>
+    </p:extLst>
+  </p:cSld>
+  <p:clrMapOvr>
+    <a:masterClrMapping/>
+  </p:clrMapOvr>
+</p:sld>
+</file>
+
+<file path=ppt/slides/slide9.xml><?xml version="1.0" encoding="utf-8"?>
+<p:sld xmlns:a="http://schemas.openxmlformats.org/drawingml/2006/main" xmlns:r="http://schemas.openxmlformats.org/officeDocument/2006/relationships" xmlns:p="http://schemas.openxmlformats.org/presentationml/2006/main">
+  <p:cSld>
+    <p:spTree>
+      <p:nvGrpSpPr>
+        <p:cNvPr id="1" name=""/>
+        <p:cNvGrpSpPr/>
+        <p:nvPr/>
+      </p:nvGrpSpPr>
+      <p:grpSpPr>
+        <a:xfrm>
+          <a:off x="0" y="0"/>
+          <a:ext cx="0" cy="0"/>
+          <a:chOff x="0" y="0"/>
+          <a:chExt cx="0" cy="0"/>
+        </a:xfrm>
+      </p:grpSpPr>
+      <p:sp>
+        <p:nvSpPr>
+          <p:cNvPr id="2" name="Title 1">
+            <a:extLst>
+              <a:ext uri="{FF2B5EF4-FFF2-40B4-BE49-F238E27FC236}">
+                <a16:creationId xmlns:a16="http://schemas.microsoft.com/office/drawing/2014/main" id="{05D111AA-1789-4897-AE4D-753B0A92333B}"/>
+              </a:ext>
+            </a:extLst>
+          </p:cNvPr>
+          <p:cNvSpPr>
+            <a:spLocks noGrp="1"/>
+          </p:cNvSpPr>
+          <p:nvPr>
+            <p:ph type="title"/>
+          </p:nvPr>
+        </p:nvSpPr>
+        <p:spPr/>
+        <p:txBody>
+          <a:bodyPr/>
+          <a:lstStyle/>
+          <a:p>
+            <a:endParaRPr lang="en-US" dirty="0"/>
+          </a:p>
+        </p:txBody>
+      </p:sp>
+      <p:sp>
+        <p:nvSpPr>
+          <p:cNvPr id="3" name="Content Placeholder 2">
+            <a:extLst>
+              <a:ext uri="{FF2B5EF4-FFF2-40B4-BE49-F238E27FC236}">
+                <a16:creationId xmlns:a16="http://schemas.microsoft.com/office/drawing/2014/main" id="{617DE4A2-DDF2-4D3D-B625-F1A13438CE22}"/>
+              </a:ext>
+            </a:extLst>
+          </p:cNvPr>
+          <p:cNvSpPr>
+            <a:spLocks noGrp="1"/>
+          </p:cNvSpPr>
+          <p:nvPr>
+            <p:ph idx="1"/>
+          </p:nvPr>
+        </p:nvSpPr>
+        <p:spPr/>
+        <p:txBody>
+          <a:bodyPr/>
+          <a:lstStyle/>
+          <a:p>
+            <a:endParaRPr lang="en-US"/>
+          </a:p>
+        </p:txBody>
+      </p:sp>
+    </p:spTree>
+    <p:extLst>
+      <p:ext uri="{BB962C8B-B14F-4D97-AF65-F5344CB8AC3E}">
+        <p14:creationId xmlns:p14="http://schemas.microsoft.com/office/powerpoint/2010/main" val="1116559384"/>
+      </p:ext>
+    </p:extLst>
+  </p:cSld>
+  <p:clrMapOvr>
+    <a:masterClrMapping/>
+  </p:clrMapOvr>
+</p:sld>
+</file>
+
 <file path=ppt/theme/theme1.xml><?xml version="1.0" encoding="utf-8"?>
 <a:theme xmlns:a="http://schemas.openxmlformats.org/drawingml/2006/main" name="Office Theme">
   <a:themeElements>

--- a/400 Presentation.pptx
+++ b/400 Presentation.pptx
@@ -13,7 +13,10 @@
     <p:sldId id="262" r:id="rId7"/>
     <p:sldId id="257" r:id="rId8"/>
     <p:sldId id="263" r:id="rId9"/>
-    <p:sldId id="264" r:id="rId10"/>
+    <p:sldId id="265" r:id="rId10"/>
+    <p:sldId id="266" r:id="rId11"/>
+    <p:sldId id="267" r:id="rId12"/>
+    <p:sldId id="264" r:id="rId13"/>
   </p:sldIdLst>
   <p:sldSz cx="12192000" cy="6858000"/>
   <p:notesSz cx="6858000" cy="9144000"/>
@@ -132,8 +135,8 @@
 <pc:chgInfo xmlns:a="http://schemas.openxmlformats.org/drawingml/2006/main" xmlns:r="http://schemas.openxmlformats.org/officeDocument/2006/relationships" xmlns:ac="http://schemas.microsoft.com/office/drawing/2013/main/command" xmlns:pc="http://schemas.microsoft.com/office/powerpoint/2013/main/command">
   <pc:docChgLst>
     <pc:chgData name="dan" userId="52998601ba1e9464" providerId="LiveId" clId="{19DCA71C-59DA-4BE2-80FE-712F63F41E9E}"/>
-    <pc:docChg chg="undo custSel addSld modSld">
-      <pc:chgData name="dan" userId="52998601ba1e9464" providerId="LiveId" clId="{19DCA71C-59DA-4BE2-80FE-712F63F41E9E}" dt="2021-12-08T08:04:50.966" v="1605" actId="20577"/>
+    <pc:docChg chg="undo custSel addSld modSld sldOrd">
+      <pc:chgData name="dan" userId="52998601ba1e9464" providerId="LiveId" clId="{19DCA71C-59DA-4BE2-80FE-712F63F41E9E}" dt="2021-12-08T09:16:05.327" v="4862" actId="20577"/>
       <pc:docMkLst>
         <pc:docMk/>
       </pc:docMkLst>
@@ -325,12 +328,89 @@
           </ac:picMkLst>
         </pc:picChg>
       </pc:sldChg>
-      <pc:sldChg chg="new">
-        <pc:chgData name="dan" userId="52998601ba1e9464" providerId="LiveId" clId="{19DCA71C-59DA-4BE2-80FE-712F63F41E9E}" dt="2021-12-08T08:01:20.699" v="1438" actId="680"/>
+      <pc:sldChg chg="modSp new mod ord">
+        <pc:chgData name="dan" userId="52998601ba1e9464" providerId="LiveId" clId="{19DCA71C-59DA-4BE2-80FE-712F63F41E9E}" dt="2021-12-08T08:45:56.433" v="3947" actId="20577"/>
         <pc:sldMkLst>
           <pc:docMk/>
           <pc:sldMk cId="1116559384" sldId="264"/>
         </pc:sldMkLst>
+        <pc:spChg chg="mod">
+          <ac:chgData name="dan" userId="52998601ba1e9464" providerId="LiveId" clId="{19DCA71C-59DA-4BE2-80FE-712F63F41E9E}" dt="2021-12-08T08:45:56.433" v="3947" actId="20577"/>
+          <ac:spMkLst>
+            <pc:docMk/>
+            <pc:sldMk cId="1116559384" sldId="264"/>
+            <ac:spMk id="3" creationId="{617DE4A2-DDF2-4D3D-B625-F1A13438CE22}"/>
+          </ac:spMkLst>
+        </pc:spChg>
+      </pc:sldChg>
+      <pc:sldChg chg="modSp new mod">
+        <pc:chgData name="dan" userId="52998601ba1e9464" providerId="LiveId" clId="{19DCA71C-59DA-4BE2-80FE-712F63F41E9E}" dt="2021-12-08T09:11:20.901" v="4580" actId="20577"/>
+        <pc:sldMkLst>
+          <pc:docMk/>
+          <pc:sldMk cId="2239259575" sldId="265"/>
+        </pc:sldMkLst>
+        <pc:spChg chg="mod">
+          <ac:chgData name="dan" userId="52998601ba1e9464" providerId="LiveId" clId="{19DCA71C-59DA-4BE2-80FE-712F63F41E9E}" dt="2021-12-08T08:22:37.980" v="1927" actId="20577"/>
+          <ac:spMkLst>
+            <pc:docMk/>
+            <pc:sldMk cId="2239259575" sldId="265"/>
+            <ac:spMk id="2" creationId="{AAD67D5E-5D5C-4328-A672-6942E13EA394}"/>
+          </ac:spMkLst>
+        </pc:spChg>
+        <pc:spChg chg="mod">
+          <ac:chgData name="dan" userId="52998601ba1e9464" providerId="LiveId" clId="{19DCA71C-59DA-4BE2-80FE-712F63F41E9E}" dt="2021-12-08T09:11:20.901" v="4580" actId="20577"/>
+          <ac:spMkLst>
+            <pc:docMk/>
+            <pc:sldMk cId="2239259575" sldId="265"/>
+            <ac:spMk id="3" creationId="{BCDBEC09-12C4-4523-9DB1-90D0E2CF9F1B}"/>
+          </ac:spMkLst>
+        </pc:spChg>
+      </pc:sldChg>
+      <pc:sldChg chg="modSp new mod">
+        <pc:chgData name="dan" userId="52998601ba1e9464" providerId="LiveId" clId="{19DCA71C-59DA-4BE2-80FE-712F63F41E9E}" dt="2021-12-08T09:13:12.551" v="4590" actId="20577"/>
+        <pc:sldMkLst>
+          <pc:docMk/>
+          <pc:sldMk cId="3568464628" sldId="266"/>
+        </pc:sldMkLst>
+        <pc:spChg chg="mod">
+          <ac:chgData name="dan" userId="52998601ba1e9464" providerId="LiveId" clId="{19DCA71C-59DA-4BE2-80FE-712F63F41E9E}" dt="2021-12-08T08:28:34.420" v="2904" actId="20577"/>
+          <ac:spMkLst>
+            <pc:docMk/>
+            <pc:sldMk cId="3568464628" sldId="266"/>
+            <ac:spMk id="2" creationId="{E1351F20-6604-4E64-90BE-2354F967EFA0}"/>
+          </ac:spMkLst>
+        </pc:spChg>
+        <pc:spChg chg="mod">
+          <ac:chgData name="dan" userId="52998601ba1e9464" providerId="LiveId" clId="{19DCA71C-59DA-4BE2-80FE-712F63F41E9E}" dt="2021-12-08T09:13:12.551" v="4590" actId="20577"/>
+          <ac:spMkLst>
+            <pc:docMk/>
+            <pc:sldMk cId="3568464628" sldId="266"/>
+            <ac:spMk id="3" creationId="{D2FDC841-B9ED-43C0-9CF4-4DC2F6313E29}"/>
+          </ac:spMkLst>
+        </pc:spChg>
+      </pc:sldChg>
+      <pc:sldChg chg="modSp new mod">
+        <pc:chgData name="dan" userId="52998601ba1e9464" providerId="LiveId" clId="{19DCA71C-59DA-4BE2-80FE-712F63F41E9E}" dt="2021-12-08T09:16:05.327" v="4862" actId="20577"/>
+        <pc:sldMkLst>
+          <pc:docMk/>
+          <pc:sldMk cId="2432020139" sldId="267"/>
+        </pc:sldMkLst>
+        <pc:spChg chg="mod">
+          <ac:chgData name="dan" userId="52998601ba1e9464" providerId="LiveId" clId="{19DCA71C-59DA-4BE2-80FE-712F63F41E9E}" dt="2021-12-08T08:46:31.911" v="3984" actId="20577"/>
+          <ac:spMkLst>
+            <pc:docMk/>
+            <pc:sldMk cId="2432020139" sldId="267"/>
+            <ac:spMk id="2" creationId="{7499F57B-C6F3-45F4-98BB-5B6882C5F274}"/>
+          </ac:spMkLst>
+        </pc:spChg>
+        <pc:spChg chg="mod">
+          <ac:chgData name="dan" userId="52998601ba1e9464" providerId="LiveId" clId="{19DCA71C-59DA-4BE2-80FE-712F63F41E9E}" dt="2021-12-08T09:16:05.327" v="4862" actId="20577"/>
+          <ac:spMkLst>
+            <pc:docMk/>
+            <pc:sldMk cId="2432020139" sldId="267"/>
+            <ac:spMk id="3" creationId="{C747F49B-95DB-40E3-855A-E19424E2E136}"/>
+          </ac:spMkLst>
+        </pc:spChg>
       </pc:sldChg>
     </pc:docChg>
   </pc:docChgLst>
@@ -3625,6 +3705,353 @@
 </p:sld>
 </file>
 
+<file path=ppt/slides/slide10.xml><?xml version="1.0" encoding="utf-8"?>
+<p:sld xmlns:a="http://schemas.openxmlformats.org/drawingml/2006/main" xmlns:r="http://schemas.openxmlformats.org/officeDocument/2006/relationships" xmlns:p="http://schemas.openxmlformats.org/presentationml/2006/main">
+  <p:cSld>
+    <p:spTree>
+      <p:nvGrpSpPr>
+        <p:cNvPr id="1" name=""/>
+        <p:cNvGrpSpPr/>
+        <p:nvPr/>
+      </p:nvGrpSpPr>
+      <p:grpSpPr>
+        <a:xfrm>
+          <a:off x="0" y="0"/>
+          <a:ext cx="0" cy="0"/>
+          <a:chOff x="0" y="0"/>
+          <a:chExt cx="0" cy="0"/>
+        </a:xfrm>
+      </p:grpSpPr>
+      <p:sp>
+        <p:nvSpPr>
+          <p:cNvPr id="2" name="Title 1">
+            <a:extLst>
+              <a:ext uri="{FF2B5EF4-FFF2-40B4-BE49-F238E27FC236}">
+                <a16:creationId xmlns:a16="http://schemas.microsoft.com/office/drawing/2014/main" id="{E1351F20-6604-4E64-90BE-2354F967EFA0}"/>
+              </a:ext>
+            </a:extLst>
+          </p:cNvPr>
+          <p:cNvSpPr>
+            <a:spLocks noGrp="1"/>
+          </p:cNvSpPr>
+          <p:nvPr>
+            <p:ph type="title"/>
+          </p:nvPr>
+        </p:nvSpPr>
+        <p:spPr/>
+        <p:txBody>
+          <a:bodyPr/>
+          <a:lstStyle/>
+          <a:p>
+            <a:r>
+              <a:rPr lang="en-US" dirty="0"/>
+              <a:t>Bootstrap Sampling Cont.</a:t>
+            </a:r>
+          </a:p>
+        </p:txBody>
+      </p:sp>
+      <p:sp>
+        <p:nvSpPr>
+          <p:cNvPr id="3" name="Content Placeholder 2">
+            <a:extLst>
+              <a:ext uri="{FF2B5EF4-FFF2-40B4-BE49-F238E27FC236}">
+                <a16:creationId xmlns:a16="http://schemas.microsoft.com/office/drawing/2014/main" id="{D2FDC841-B9ED-43C0-9CF4-4DC2F6313E29}"/>
+              </a:ext>
+            </a:extLst>
+          </p:cNvPr>
+          <p:cNvSpPr>
+            <a:spLocks noGrp="1"/>
+          </p:cNvSpPr>
+          <p:nvPr>
+            <p:ph idx="1"/>
+          </p:nvPr>
+        </p:nvSpPr>
+        <p:spPr/>
+        <p:txBody>
+          <a:bodyPr/>
+          <a:lstStyle/>
+          <a:p>
+            <a:r>
+              <a:rPr lang="en-US" dirty="0"/>
+              <a:t>Mean p </a:t>
+            </a:r>
+            <a:r>
+              <a:rPr lang="en-US" dirty="0" err="1"/>
+              <a:t>val</a:t>
+            </a:r>
+            <a:r>
+              <a:rPr lang="en-US" dirty="0"/>
+              <a:t> from 20000 two-sample t-tests on bootstrap samples was .427 (.30).  This seems substantially lower than our original calculated p </a:t>
+            </a:r>
+            <a:r>
+              <a:rPr lang="en-US" dirty="0" err="1"/>
+              <a:t>val</a:t>
+            </a:r>
+            <a:r>
+              <a:rPr lang="en-US" dirty="0"/>
+              <a:t> of .462.</a:t>
+            </a:r>
+          </a:p>
+          <a:p>
+            <a:r>
+              <a:rPr lang="en-US" dirty="0"/>
+              <a:t> Still no statistically significant evidence of difference in population means between season 1 and season 2, so our interpretation of the results does not change.</a:t>
+            </a:r>
+          </a:p>
+        </p:txBody>
+      </p:sp>
+    </p:spTree>
+    <p:extLst>
+      <p:ext uri="{BB962C8B-B14F-4D97-AF65-F5344CB8AC3E}">
+        <p14:creationId xmlns:p14="http://schemas.microsoft.com/office/powerpoint/2010/main" val="3568464628"/>
+      </p:ext>
+    </p:extLst>
+  </p:cSld>
+  <p:clrMapOvr>
+    <a:masterClrMapping/>
+  </p:clrMapOvr>
+</p:sld>
+</file>
+
+<file path=ppt/slides/slide11.xml><?xml version="1.0" encoding="utf-8"?>
+<p:sld xmlns:a="http://schemas.openxmlformats.org/drawingml/2006/main" xmlns:r="http://schemas.openxmlformats.org/officeDocument/2006/relationships" xmlns:p="http://schemas.openxmlformats.org/presentationml/2006/main">
+  <p:cSld>
+    <p:spTree>
+      <p:nvGrpSpPr>
+        <p:cNvPr id="1" name=""/>
+        <p:cNvGrpSpPr/>
+        <p:nvPr/>
+      </p:nvGrpSpPr>
+      <p:grpSpPr>
+        <a:xfrm>
+          <a:off x="0" y="0"/>
+          <a:ext cx="0" cy="0"/>
+          <a:chOff x="0" y="0"/>
+          <a:chExt cx="0" cy="0"/>
+        </a:xfrm>
+      </p:grpSpPr>
+      <p:sp>
+        <p:nvSpPr>
+          <p:cNvPr id="2" name="Title 1">
+            <a:extLst>
+              <a:ext uri="{FF2B5EF4-FFF2-40B4-BE49-F238E27FC236}">
+                <a16:creationId xmlns:a16="http://schemas.microsoft.com/office/drawing/2014/main" id="{7499F57B-C6F3-45F4-98BB-5B6882C5F274}"/>
+              </a:ext>
+            </a:extLst>
+          </p:cNvPr>
+          <p:cNvSpPr>
+            <a:spLocks noGrp="1"/>
+          </p:cNvSpPr>
+          <p:nvPr>
+            <p:ph type="title"/>
+          </p:nvPr>
+        </p:nvSpPr>
+        <p:spPr/>
+        <p:txBody>
+          <a:bodyPr/>
+          <a:lstStyle/>
+          <a:p>
+            <a:r>
+              <a:rPr lang="en-US" dirty="0"/>
+              <a:t>Bootstrap Sampling Cont.</a:t>
+            </a:r>
+          </a:p>
+        </p:txBody>
+      </p:sp>
+      <p:sp>
+        <p:nvSpPr>
+          <p:cNvPr id="3" name="Content Placeholder 2">
+            <a:extLst>
+              <a:ext uri="{FF2B5EF4-FFF2-40B4-BE49-F238E27FC236}">
+                <a16:creationId xmlns:a16="http://schemas.microsoft.com/office/drawing/2014/main" id="{C747F49B-95DB-40E3-855A-E19424E2E136}"/>
+              </a:ext>
+            </a:extLst>
+          </p:cNvPr>
+          <p:cNvSpPr>
+            <a:spLocks noGrp="1"/>
+          </p:cNvSpPr>
+          <p:nvPr>
+            <p:ph idx="1"/>
+          </p:nvPr>
+        </p:nvSpPr>
+        <p:spPr/>
+        <p:txBody>
+          <a:bodyPr/>
+          <a:lstStyle/>
+          <a:p>
+            <a:r>
+              <a:rPr lang="en-US" dirty="0"/>
+              <a:t>Sampled 20000 bootstrap samples from original 226 shows data, but this time in pairs so now we  should be violating the independence assumption again.</a:t>
+            </a:r>
+          </a:p>
+          <a:p>
+            <a:r>
+              <a:rPr lang="en-US" dirty="0"/>
+              <a:t>Mean p </a:t>
+            </a:r>
+            <a:r>
+              <a:rPr lang="en-US" dirty="0" err="1"/>
+              <a:t>val</a:t>
+            </a:r>
+            <a:r>
+              <a:rPr lang="en-US" dirty="0"/>
+              <a:t> sampling this way was .431 (.30). A bit greater than the Mean p </a:t>
+            </a:r>
+            <a:r>
+              <a:rPr lang="en-US" dirty="0" err="1"/>
+              <a:t>val</a:t>
+            </a:r>
+            <a:r>
+              <a:rPr lang="en-US" dirty="0"/>
+              <a:t> of .427(.30) when sampling independently.</a:t>
+            </a:r>
+          </a:p>
+          <a:p>
+            <a:r>
+              <a:rPr lang="en-US" dirty="0"/>
+              <a:t>The fact that there is a noticeable difference in mean p value despite such large sample sizes seems to indicate that sampling independently instead of in pairs has an impact on the analysis.  </a:t>
+            </a:r>
+          </a:p>
+          <a:p>
+            <a:endParaRPr lang="en-US" dirty="0"/>
+          </a:p>
+        </p:txBody>
+      </p:sp>
+    </p:spTree>
+    <p:extLst>
+      <p:ext uri="{BB962C8B-B14F-4D97-AF65-F5344CB8AC3E}">
+        <p14:creationId xmlns:p14="http://schemas.microsoft.com/office/powerpoint/2010/main" val="2432020139"/>
+      </p:ext>
+    </p:extLst>
+  </p:cSld>
+  <p:clrMapOvr>
+    <a:masterClrMapping/>
+  </p:clrMapOvr>
+</p:sld>
+</file>
+
+<file path=ppt/slides/slide12.xml><?xml version="1.0" encoding="utf-8"?>
+<p:sld xmlns:a="http://schemas.openxmlformats.org/drawingml/2006/main" xmlns:r="http://schemas.openxmlformats.org/officeDocument/2006/relationships" xmlns:p="http://schemas.openxmlformats.org/presentationml/2006/main">
+  <p:cSld>
+    <p:spTree>
+      <p:nvGrpSpPr>
+        <p:cNvPr id="1" name=""/>
+        <p:cNvGrpSpPr/>
+        <p:nvPr/>
+      </p:nvGrpSpPr>
+      <p:grpSpPr>
+        <a:xfrm>
+          <a:off x="0" y="0"/>
+          <a:ext cx="0" cy="0"/>
+          <a:chOff x="0" y="0"/>
+          <a:chExt cx="0" cy="0"/>
+        </a:xfrm>
+      </p:grpSpPr>
+      <p:sp>
+        <p:nvSpPr>
+          <p:cNvPr id="2" name="Title 1">
+            <a:extLst>
+              <a:ext uri="{FF2B5EF4-FFF2-40B4-BE49-F238E27FC236}">
+                <a16:creationId xmlns:a16="http://schemas.microsoft.com/office/drawing/2014/main" id="{05D111AA-1789-4897-AE4D-753B0A92333B}"/>
+              </a:ext>
+            </a:extLst>
+          </p:cNvPr>
+          <p:cNvSpPr>
+            <a:spLocks noGrp="1"/>
+          </p:cNvSpPr>
+          <p:nvPr>
+            <p:ph type="title"/>
+          </p:nvPr>
+        </p:nvSpPr>
+        <p:spPr/>
+        <p:txBody>
+          <a:bodyPr/>
+          <a:lstStyle/>
+          <a:p>
+            <a:endParaRPr lang="en-US" dirty="0"/>
+          </a:p>
+        </p:txBody>
+      </p:sp>
+      <p:sp>
+        <p:nvSpPr>
+          <p:cNvPr id="3" name="Content Placeholder 2">
+            <a:extLst>
+              <a:ext uri="{FF2B5EF4-FFF2-40B4-BE49-F238E27FC236}">
+                <a16:creationId xmlns:a16="http://schemas.microsoft.com/office/drawing/2014/main" id="{617DE4A2-DDF2-4D3D-B625-F1A13438CE22}"/>
+              </a:ext>
+            </a:extLst>
+          </p:cNvPr>
+          <p:cNvSpPr>
+            <a:spLocks noGrp="1"/>
+          </p:cNvSpPr>
+          <p:nvPr>
+            <p:ph idx="1"/>
+          </p:nvPr>
+        </p:nvSpPr>
+        <p:spPr/>
+        <p:txBody>
+          <a:bodyPr/>
+          <a:lstStyle/>
+          <a:p>
+            <a:r>
+              <a:rPr lang="en-US" dirty="0"/>
+              <a:t>Next Steps:</a:t>
+            </a:r>
+          </a:p>
+          <a:p>
+            <a:pPr marL="0" indent="0">
+              <a:buNone/>
+            </a:pPr>
+            <a:r>
+              <a:rPr lang="en-US" dirty="0"/>
+              <a:t>Make plot of confidence intervals of the 1000 bootstrapped samples</a:t>
+            </a:r>
+          </a:p>
+          <a:p>
+            <a:pPr marL="0" indent="0">
+              <a:buNone/>
+            </a:pPr>
+            <a:endParaRPr lang="en-US" dirty="0"/>
+          </a:p>
+          <a:p>
+            <a:pPr marL="0" indent="0">
+              <a:buNone/>
+            </a:pPr>
+            <a:r>
+              <a:rPr lang="en-US" dirty="0"/>
+              <a:t>Try bootstrap Sampling in pairs instead of independently and see how this impacts the results.</a:t>
+            </a:r>
+          </a:p>
+          <a:p>
+            <a:pPr marL="0" indent="0">
+              <a:buNone/>
+            </a:pPr>
+            <a:endParaRPr lang="en-US" dirty="0"/>
+          </a:p>
+          <a:p>
+            <a:pPr marL="0" indent="0">
+              <a:buNone/>
+            </a:pPr>
+            <a:r>
+              <a:rPr lang="en-US" dirty="0"/>
+              <a:t>Work with various assumptions applied and sample from various distributions instead.  Compare the confidence intervals that result from these methods</a:t>
+            </a:r>
+          </a:p>
+        </p:txBody>
+      </p:sp>
+    </p:spTree>
+    <p:extLst>
+      <p:ext uri="{BB962C8B-B14F-4D97-AF65-F5344CB8AC3E}">
+        <p14:creationId xmlns:p14="http://schemas.microsoft.com/office/powerpoint/2010/main" val="1116559384"/>
+      </p:ext>
+    </p:extLst>
+  </p:cSld>
+  <p:clrMapOvr>
+    <a:masterClrMapping/>
+  </p:clrMapOvr>
+</p:sld>
+</file>
+
 <file path=ppt/slides/slide2.xml><?xml version="1.0" encoding="utf-8"?>
 <p:sld xmlns:a="http://schemas.openxmlformats.org/drawingml/2006/main" xmlns:r="http://schemas.openxmlformats.org/officeDocument/2006/relationships" xmlns:p="http://schemas.openxmlformats.org/presentationml/2006/main">
   <p:cSld>
@@ -4562,7 +4989,7 @@
           <p:cNvPr id="2" name="Title 1">
             <a:extLst>
               <a:ext uri="{FF2B5EF4-FFF2-40B4-BE49-F238E27FC236}">
-                <a16:creationId xmlns:a16="http://schemas.microsoft.com/office/drawing/2014/main" id="{05D111AA-1789-4897-AE4D-753B0A92333B}"/>
+                <a16:creationId xmlns:a16="http://schemas.microsoft.com/office/drawing/2014/main" id="{AAD67D5E-5D5C-4328-A672-6942E13EA394}"/>
               </a:ext>
             </a:extLst>
           </p:cNvPr>
@@ -4578,7 +5005,10 @@
           <a:bodyPr/>
           <a:lstStyle/>
           <a:p>
-            <a:endParaRPr lang="en-US" dirty="0"/>
+            <a:r>
+              <a:rPr lang="en-US" dirty="0"/>
+              <a:t>Bootstrap Sampling</a:t>
+            </a:r>
           </a:p>
         </p:txBody>
       </p:sp>
@@ -4587,7 +5017,7 @@
           <p:cNvPr id="3" name="Content Placeholder 2">
             <a:extLst>
               <a:ext uri="{FF2B5EF4-FFF2-40B4-BE49-F238E27FC236}">
-                <a16:creationId xmlns:a16="http://schemas.microsoft.com/office/drawing/2014/main" id="{617DE4A2-DDF2-4D3D-B625-F1A13438CE22}"/>
+                <a16:creationId xmlns:a16="http://schemas.microsoft.com/office/drawing/2014/main" id="{BCDBEC09-12C4-4523-9DB1-90D0E2CF9F1B}"/>
               </a:ext>
             </a:extLst>
           </p:cNvPr>
@@ -4603,14 +5033,31 @@
           <a:bodyPr/>
           <a:lstStyle/>
           <a:p>
-            <a:endParaRPr lang="en-US"/>
+            <a:r>
+              <a:rPr lang="en-US" dirty="0"/>
+              <a:t>Took 20000 Bootstrap samples of size 200  from our original sample of 226 shows for each season.  Corresponding season 1 and season 2 values were not picked.  </a:t>
+            </a:r>
+            <a:r>
+              <a:rPr lang="en-US" dirty="0" err="1"/>
+              <a:t>I.e</a:t>
+            </a:r>
+            <a:r>
+              <a:rPr lang="en-US" dirty="0"/>
+              <a:t> they were not sampled in pairs.  They were sampled separately with replacement.  This means that the sample taken for season 1 is independent here from the sample taken for season 2.</a:t>
+            </a:r>
+          </a:p>
+          <a:p>
+            <a:r>
+              <a:rPr lang="en-US" dirty="0"/>
+              <a:t>Since the season 1 values in the boot strap samples were gathered independently from the season 2 values, we should no longer be in violation of the independence assumption for a two-sample t test.</a:t>
+            </a:r>
           </a:p>
         </p:txBody>
       </p:sp>
     </p:spTree>
     <p:extLst>
       <p:ext uri="{BB962C8B-B14F-4D97-AF65-F5344CB8AC3E}">
-        <p14:creationId xmlns:p14="http://schemas.microsoft.com/office/powerpoint/2010/main" val="1116559384"/>
+        <p14:creationId xmlns:p14="http://schemas.microsoft.com/office/powerpoint/2010/main" val="2239259575"/>
       </p:ext>
     </p:extLst>
   </p:cSld>

--- a/400 Presentation.pptx
+++ b/400 Presentation.pptx
@@ -136,7 +136,7 @@
   <pc:docChgLst>
     <pc:chgData name="dan" userId="52998601ba1e9464" providerId="LiveId" clId="{19DCA71C-59DA-4BE2-80FE-712F63F41E9E}"/>
     <pc:docChg chg="undo custSel addSld modSld sldOrd">
-      <pc:chgData name="dan" userId="52998601ba1e9464" providerId="LiveId" clId="{19DCA71C-59DA-4BE2-80FE-712F63F41E9E}" dt="2021-12-08T09:16:05.327" v="4862" actId="20577"/>
+      <pc:chgData name="dan" userId="52998601ba1e9464" providerId="LiveId" clId="{19DCA71C-59DA-4BE2-80FE-712F63F41E9E}" dt="2021-12-08T09:27:31.023" v="4918" actId="20577"/>
       <pc:docMkLst>
         <pc:docMk/>
       </pc:docMkLst>
@@ -225,6 +225,21 @@
             <ac:picMk id="7" creationId="{A233FFCC-F9B6-4154-8C3A-63783D8220F5}"/>
           </ac:picMkLst>
         </pc:picChg>
+      </pc:sldChg>
+      <pc:sldChg chg="modSp mod">
+        <pc:chgData name="dan" userId="52998601ba1e9464" providerId="LiveId" clId="{19DCA71C-59DA-4BE2-80FE-712F63F41E9E}" dt="2021-12-08T09:27:31.023" v="4918" actId="20577"/>
+        <pc:sldMkLst>
+          <pc:docMk/>
+          <pc:sldMk cId="2038844316" sldId="259"/>
+        </pc:sldMkLst>
+        <pc:spChg chg="mod">
+          <ac:chgData name="dan" userId="52998601ba1e9464" providerId="LiveId" clId="{19DCA71C-59DA-4BE2-80FE-712F63F41E9E}" dt="2021-12-08T09:27:31.023" v="4918" actId="20577"/>
+          <ac:spMkLst>
+            <pc:docMk/>
+            <pc:sldMk cId="2038844316" sldId="259"/>
+            <ac:spMk id="3" creationId="{EF8A454D-6923-498F-9332-631D0A27A317}"/>
+          </ac:spMkLst>
+        </pc:spChg>
       </pc:sldChg>
       <pc:sldChg chg="addSp delSp modSp new mod setBg">
         <pc:chgData name="dan" userId="52998601ba1e9464" providerId="LiveId" clId="{19DCA71C-59DA-4BE2-80FE-712F63F41E9E}" dt="2021-12-08T07:41:14.323" v="183" actId="1076"/>
@@ -4116,7 +4131,7 @@
         <p:spPr/>
         <p:txBody>
           <a:bodyPr>
-            <a:normAutofit/>
+            <a:normAutofit fontScale="92500"/>
           </a:bodyPr>
           <a:lstStyle/>
           <a:p>
@@ -4134,13 +4149,13 @@
           <a:p>
             <a:r>
               <a:rPr lang="en-US" dirty="0"/>
-              <a:t>One way of testing this is with a two-sample t test for difference in population means, however we would be violating the assumption that our two samples are independent</a:t>
+              <a:t>One way of testing this is with a two-sample t test for difference in population means, however we would be violating the assumption that our two samples are independent. We could also try a paired t test.</a:t>
             </a:r>
           </a:p>
           <a:p>
             <a:r>
               <a:rPr lang="en-US" dirty="0"/>
-              <a:t>Use Monte Carlo analysis to determine the effectiveness of a two-sample t test for a difference in population means between season 1 and season 2 of tv shows when different assumptions are applied</a:t>
+              <a:t>Use Monte Carlo analysis to determine the effectiveness of a two-sample t test and paired t test for a difference in population means between season 1 and season 2 of tv shows when different assumptions are applied</a:t>
             </a:r>
           </a:p>
           <a:p>

--- a/400 Presentation.pptx
+++ b/400 Presentation.pptx
@@ -12,11 +12,12 @@
     <p:sldId id="258" r:id="rId6"/>
     <p:sldId id="262" r:id="rId7"/>
     <p:sldId id="257" r:id="rId8"/>
-    <p:sldId id="263" r:id="rId9"/>
-    <p:sldId id="265" r:id="rId10"/>
-    <p:sldId id="266" r:id="rId11"/>
-    <p:sldId id="267" r:id="rId12"/>
-    <p:sldId id="264" r:id="rId13"/>
+    <p:sldId id="268" r:id="rId9"/>
+    <p:sldId id="263" r:id="rId10"/>
+    <p:sldId id="265" r:id="rId11"/>
+    <p:sldId id="266" r:id="rId12"/>
+    <p:sldId id="267" r:id="rId13"/>
+    <p:sldId id="264" r:id="rId14"/>
   </p:sldIdLst>
   <p:sldSz cx="12192000" cy="6858000"/>
   <p:notesSz cx="6858000" cy="9144000"/>
@@ -126,7 +127,7 @@
 <file path=ppt/revisionInfo.xml><?xml version="1.0" encoding="utf-8"?>
 <p1510:revInfo xmlns:a="http://schemas.openxmlformats.org/drawingml/2006/main" xmlns:r="http://schemas.openxmlformats.org/officeDocument/2006/relationships" xmlns:p1510="http://schemas.microsoft.com/office/powerpoint/2015/10/main">
   <p1510:revLst>
-    <p1510:client id="{19DCA71C-59DA-4BE2-80FE-712F63F41E9E}" v="11" dt="2021-12-08T07:59:00.433"/>
+    <p1510:client id="{19DCA71C-59DA-4BE2-80FE-712F63F41E9E}" v="13" dt="2021-12-08T09:40:04.564"/>
   </p1510:revLst>
 </p1510:revInfo>
 </file>
@@ -136,7 +137,7 @@
   <pc:docChgLst>
     <pc:chgData name="dan" userId="52998601ba1e9464" providerId="LiveId" clId="{19DCA71C-59DA-4BE2-80FE-712F63F41E9E}"/>
     <pc:docChg chg="undo custSel addSld modSld sldOrd">
-      <pc:chgData name="dan" userId="52998601ba1e9464" providerId="LiveId" clId="{19DCA71C-59DA-4BE2-80FE-712F63F41E9E}" dt="2021-12-08T09:27:31.023" v="4918" actId="20577"/>
+      <pc:chgData name="dan" userId="52998601ba1e9464" providerId="LiveId" clId="{19DCA71C-59DA-4BE2-80FE-712F63F41E9E}" dt="2021-12-08T09:41:28.389" v="5654" actId="208"/>
       <pc:docMkLst>
         <pc:docMk/>
       </pc:docMkLst>
@@ -405,7 +406,7 @@
         </pc:spChg>
       </pc:sldChg>
       <pc:sldChg chg="modSp new mod">
-        <pc:chgData name="dan" userId="52998601ba1e9464" providerId="LiveId" clId="{19DCA71C-59DA-4BE2-80FE-712F63F41E9E}" dt="2021-12-08T09:16:05.327" v="4862" actId="20577"/>
+        <pc:chgData name="dan" userId="52998601ba1e9464" providerId="LiveId" clId="{19DCA71C-59DA-4BE2-80FE-712F63F41E9E}" dt="2021-12-08T09:36:31.393" v="5445" actId="20577"/>
         <pc:sldMkLst>
           <pc:docMk/>
           <pc:sldMk cId="2432020139" sldId="267"/>
@@ -419,13 +420,60 @@
           </ac:spMkLst>
         </pc:spChg>
         <pc:spChg chg="mod">
-          <ac:chgData name="dan" userId="52998601ba1e9464" providerId="LiveId" clId="{19DCA71C-59DA-4BE2-80FE-712F63F41E9E}" dt="2021-12-08T09:16:05.327" v="4862" actId="20577"/>
+          <ac:chgData name="dan" userId="52998601ba1e9464" providerId="LiveId" clId="{19DCA71C-59DA-4BE2-80FE-712F63F41E9E}" dt="2021-12-08T09:36:31.393" v="5445" actId="20577"/>
           <ac:spMkLst>
             <pc:docMk/>
             <pc:sldMk cId="2432020139" sldId="267"/>
             <ac:spMk id="3" creationId="{C747F49B-95DB-40E3-855A-E19424E2E136}"/>
           </ac:spMkLst>
         </pc:spChg>
+      </pc:sldChg>
+      <pc:sldChg chg="addSp delSp modSp new mod">
+        <pc:chgData name="dan" userId="52998601ba1e9464" providerId="LiveId" clId="{19DCA71C-59DA-4BE2-80FE-712F63F41E9E}" dt="2021-12-08T09:41:28.389" v="5654" actId="208"/>
+        <pc:sldMkLst>
+          <pc:docMk/>
+          <pc:sldMk cId="263045210" sldId="268"/>
+        </pc:sldMkLst>
+        <pc:spChg chg="mod">
+          <ac:chgData name="dan" userId="52998601ba1e9464" providerId="LiveId" clId="{19DCA71C-59DA-4BE2-80FE-712F63F41E9E}" dt="2021-12-08T09:36:58.094" v="5472" actId="20577"/>
+          <ac:spMkLst>
+            <pc:docMk/>
+            <pc:sldMk cId="263045210" sldId="268"/>
+            <ac:spMk id="2" creationId="{620DA688-7B76-4660-9F30-B6509E0CD31D}"/>
+          </ac:spMkLst>
+        </pc:spChg>
+        <pc:spChg chg="del">
+          <ac:chgData name="dan" userId="52998601ba1e9464" providerId="LiveId" clId="{19DCA71C-59DA-4BE2-80FE-712F63F41E9E}" dt="2021-12-08T09:38:43.454" v="5473" actId="931"/>
+          <ac:spMkLst>
+            <pc:docMk/>
+            <pc:sldMk cId="263045210" sldId="268"/>
+            <ac:spMk id="3" creationId="{8844F328-A7B2-4E0C-81F6-F256A68EE1D2}"/>
+          </ac:spMkLst>
+        </pc:spChg>
+        <pc:spChg chg="add mod">
+          <ac:chgData name="dan" userId="52998601ba1e9464" providerId="LiveId" clId="{19DCA71C-59DA-4BE2-80FE-712F63F41E9E}" dt="2021-12-08T09:40:51.453" v="5650" actId="20577"/>
+          <ac:spMkLst>
+            <pc:docMk/>
+            <pc:sldMk cId="263045210" sldId="268"/>
+            <ac:spMk id="6" creationId="{DEE31663-1E5F-434D-B87E-1A40F0A67528}"/>
+          </ac:spMkLst>
+        </pc:spChg>
+        <pc:spChg chg="add mod">
+          <ac:chgData name="dan" userId="52998601ba1e9464" providerId="LiveId" clId="{19DCA71C-59DA-4BE2-80FE-712F63F41E9E}" dt="2021-12-08T09:41:28.389" v="5654" actId="208"/>
+          <ac:spMkLst>
+            <pc:docMk/>
+            <pc:sldMk cId="263045210" sldId="268"/>
+            <ac:spMk id="7" creationId="{050B7027-CD6A-4EBD-9446-B36334DE35CD}"/>
+          </ac:spMkLst>
+        </pc:spChg>
+        <pc:picChg chg="add mod">
+          <ac:chgData name="dan" userId="52998601ba1e9464" providerId="LiveId" clId="{19DCA71C-59DA-4BE2-80FE-712F63F41E9E}" dt="2021-12-08T09:39:04.255" v="5478" actId="1076"/>
+          <ac:picMkLst>
+            <pc:docMk/>
+            <pc:sldMk cId="263045210" sldId="268"/>
+            <ac:picMk id="5" creationId="{A5DA2DD5-5121-46A1-993F-76899FA535A7}"/>
+          </ac:picMkLst>
+        </pc:picChg>
       </pc:sldChg>
     </pc:docChg>
   </pc:docChgLst>
@@ -3742,7 +3790,7 @@
           <p:cNvPr id="2" name="Title 1">
             <a:extLst>
               <a:ext uri="{FF2B5EF4-FFF2-40B4-BE49-F238E27FC236}">
-                <a16:creationId xmlns:a16="http://schemas.microsoft.com/office/drawing/2014/main" id="{E1351F20-6604-4E64-90BE-2354F967EFA0}"/>
+                <a16:creationId xmlns:a16="http://schemas.microsoft.com/office/drawing/2014/main" id="{AAD67D5E-5D5C-4328-A672-6942E13EA394}"/>
               </a:ext>
             </a:extLst>
           </p:cNvPr>
@@ -3760,7 +3808,7 @@
           <a:p>
             <a:r>
               <a:rPr lang="en-US" dirty="0"/>
-              <a:t>Bootstrap Sampling Cont.</a:t>
+              <a:t>Bootstrap Sampling</a:t>
             </a:r>
           </a:p>
         </p:txBody>
@@ -3770,7 +3818,7 @@
           <p:cNvPr id="3" name="Content Placeholder 2">
             <a:extLst>
               <a:ext uri="{FF2B5EF4-FFF2-40B4-BE49-F238E27FC236}">
-                <a16:creationId xmlns:a16="http://schemas.microsoft.com/office/drawing/2014/main" id="{D2FDC841-B9ED-43C0-9CF4-4DC2F6313E29}"/>
+                <a16:creationId xmlns:a16="http://schemas.microsoft.com/office/drawing/2014/main" id="{BCDBEC09-12C4-4523-9DB1-90D0E2CF9F1B}"/>
               </a:ext>
             </a:extLst>
           </p:cNvPr>
@@ -3788,29 +3836,21 @@
           <a:p>
             <a:r>
               <a:rPr lang="en-US" dirty="0"/>
-              <a:t>Mean p </a:t>
+              <a:t>Took 20000 Bootstrap samples of size 200  from our original sample of 226 shows for each season.  Corresponding season 1 and season 2 values were not picked.  </a:t>
             </a:r>
             <a:r>
               <a:rPr lang="en-US" dirty="0" err="1"/>
-              <a:t>val</a:t>
+              <a:t>I.e</a:t>
             </a:r>
             <a:r>
               <a:rPr lang="en-US" dirty="0"/>
-              <a:t> from 20000 two-sample t-tests on bootstrap samples was .427 (.30).  This seems substantially lower than our original calculated p </a:t>
-            </a:r>
-            <a:r>
-              <a:rPr lang="en-US" dirty="0" err="1"/>
-              <a:t>val</a:t>
-            </a:r>
+              <a:t> they were not sampled in pairs.  They were sampled separately with replacement.  This means that the sample taken for season 1 is independent here from the sample taken for season 2.</a:t>
+            </a:r>
+          </a:p>
+          <a:p>
             <a:r>
               <a:rPr lang="en-US" dirty="0"/>
-              <a:t> of .462.</a:t>
-            </a:r>
-          </a:p>
-          <a:p>
-            <a:r>
-              <a:rPr lang="en-US" dirty="0"/>
-              <a:t> Still no statistically significant evidence of difference in population means between season 1 and season 2, so our interpretation of the results does not change.</a:t>
+              <a:t>Since the season 1 values in the boot strap samples were gathered independently from the season 2 values, we should no longer be in violation of the independence assumption for a two-sample t test.</a:t>
             </a:r>
           </a:p>
         </p:txBody>
@@ -3818,7 +3858,7 @@
     </p:spTree>
     <p:extLst>
       <p:ext uri="{BB962C8B-B14F-4D97-AF65-F5344CB8AC3E}">
-        <p14:creationId xmlns:p14="http://schemas.microsoft.com/office/powerpoint/2010/main" val="3568464628"/>
+        <p14:creationId xmlns:p14="http://schemas.microsoft.com/office/powerpoint/2010/main" val="2239259575"/>
       </p:ext>
     </p:extLst>
   </p:cSld>
@@ -3850,7 +3890,7 @@
           <p:cNvPr id="2" name="Title 1">
             <a:extLst>
               <a:ext uri="{FF2B5EF4-FFF2-40B4-BE49-F238E27FC236}">
-                <a16:creationId xmlns:a16="http://schemas.microsoft.com/office/drawing/2014/main" id="{7499F57B-C6F3-45F4-98BB-5B6882C5F274}"/>
+                <a16:creationId xmlns:a16="http://schemas.microsoft.com/office/drawing/2014/main" id="{E1351F20-6604-4E64-90BE-2354F967EFA0}"/>
               </a:ext>
             </a:extLst>
           </p:cNvPr>
@@ -3878,6 +3918,114 @@
           <p:cNvPr id="3" name="Content Placeholder 2">
             <a:extLst>
               <a:ext uri="{FF2B5EF4-FFF2-40B4-BE49-F238E27FC236}">
+                <a16:creationId xmlns:a16="http://schemas.microsoft.com/office/drawing/2014/main" id="{D2FDC841-B9ED-43C0-9CF4-4DC2F6313E29}"/>
+              </a:ext>
+            </a:extLst>
+          </p:cNvPr>
+          <p:cNvSpPr>
+            <a:spLocks noGrp="1"/>
+          </p:cNvSpPr>
+          <p:nvPr>
+            <p:ph idx="1"/>
+          </p:nvPr>
+        </p:nvSpPr>
+        <p:spPr/>
+        <p:txBody>
+          <a:bodyPr/>
+          <a:lstStyle/>
+          <a:p>
+            <a:r>
+              <a:rPr lang="en-US" dirty="0"/>
+              <a:t>Mean p </a:t>
+            </a:r>
+            <a:r>
+              <a:rPr lang="en-US" dirty="0" err="1"/>
+              <a:t>val</a:t>
+            </a:r>
+            <a:r>
+              <a:rPr lang="en-US" dirty="0"/>
+              <a:t> from 20000 two-sample t-tests on bootstrap samples was .427 (.30).  This seems substantially lower than our original calculated p </a:t>
+            </a:r>
+            <a:r>
+              <a:rPr lang="en-US" dirty="0" err="1"/>
+              <a:t>val</a:t>
+            </a:r>
+            <a:r>
+              <a:rPr lang="en-US" dirty="0"/>
+              <a:t> of .462.</a:t>
+            </a:r>
+          </a:p>
+          <a:p>
+            <a:r>
+              <a:rPr lang="en-US" dirty="0"/>
+              <a:t> Still no statistically significant evidence of difference in population means between season 1 and season 2, so our interpretation of the results does not change.</a:t>
+            </a:r>
+          </a:p>
+        </p:txBody>
+      </p:sp>
+    </p:spTree>
+    <p:extLst>
+      <p:ext uri="{BB962C8B-B14F-4D97-AF65-F5344CB8AC3E}">
+        <p14:creationId xmlns:p14="http://schemas.microsoft.com/office/powerpoint/2010/main" val="3568464628"/>
+      </p:ext>
+    </p:extLst>
+  </p:cSld>
+  <p:clrMapOvr>
+    <a:masterClrMapping/>
+  </p:clrMapOvr>
+</p:sld>
+</file>
+
+<file path=ppt/slides/slide12.xml><?xml version="1.0" encoding="utf-8"?>
+<p:sld xmlns:a="http://schemas.openxmlformats.org/drawingml/2006/main" xmlns:r="http://schemas.openxmlformats.org/officeDocument/2006/relationships" xmlns:p="http://schemas.openxmlformats.org/presentationml/2006/main">
+  <p:cSld>
+    <p:spTree>
+      <p:nvGrpSpPr>
+        <p:cNvPr id="1" name=""/>
+        <p:cNvGrpSpPr/>
+        <p:nvPr/>
+      </p:nvGrpSpPr>
+      <p:grpSpPr>
+        <a:xfrm>
+          <a:off x="0" y="0"/>
+          <a:ext cx="0" cy="0"/>
+          <a:chOff x="0" y="0"/>
+          <a:chExt cx="0" cy="0"/>
+        </a:xfrm>
+      </p:grpSpPr>
+      <p:sp>
+        <p:nvSpPr>
+          <p:cNvPr id="2" name="Title 1">
+            <a:extLst>
+              <a:ext uri="{FF2B5EF4-FFF2-40B4-BE49-F238E27FC236}">
+                <a16:creationId xmlns:a16="http://schemas.microsoft.com/office/drawing/2014/main" id="{7499F57B-C6F3-45F4-98BB-5B6882C5F274}"/>
+              </a:ext>
+            </a:extLst>
+          </p:cNvPr>
+          <p:cNvSpPr>
+            <a:spLocks noGrp="1"/>
+          </p:cNvSpPr>
+          <p:nvPr>
+            <p:ph type="title"/>
+          </p:nvPr>
+        </p:nvSpPr>
+        <p:spPr/>
+        <p:txBody>
+          <a:bodyPr/>
+          <a:lstStyle/>
+          <a:p>
+            <a:r>
+              <a:rPr lang="en-US" dirty="0"/>
+              <a:t>Bootstrap Sampling Cont.</a:t>
+            </a:r>
+          </a:p>
+        </p:txBody>
+      </p:sp>
+      <p:sp>
+        <p:nvSpPr>
+          <p:cNvPr id="3" name="Content Placeholder 2">
+            <a:extLst>
+              <a:ext uri="{FF2B5EF4-FFF2-40B4-BE49-F238E27FC236}">
                 <a16:creationId xmlns:a16="http://schemas.microsoft.com/office/drawing/2014/main" id="{C747F49B-95DB-40E3-855A-E19424E2E136}"/>
               </a:ext>
             </a:extLst>
@@ -3891,7 +4039,9 @@
         </p:nvSpPr>
         <p:spPr/>
         <p:txBody>
-          <a:bodyPr/>
+          <a:bodyPr>
+            <a:normAutofit fontScale="92500" lnSpcReduction="10000"/>
+          </a:bodyPr>
           <a:lstStyle/>
           <a:p>
             <a:r>
@@ -3925,6 +4075,20 @@
             <a:r>
               <a:rPr lang="en-US" dirty="0"/>
               <a:t>The fact that there is a noticeable difference in mean p value despite such large sample sizes seems to indicate that sampling independently instead of in pairs has an impact on the analysis.  </a:t>
+            </a:r>
+          </a:p>
+          <a:p>
+            <a:r>
+              <a:rPr lang="en-US" dirty="0"/>
+              <a:t>Difference in mean p </a:t>
+            </a:r>
+            <a:r>
+              <a:rPr lang="en-US" dirty="0" err="1"/>
+              <a:t>vals</a:t>
+            </a:r>
+            <a:r>
+              <a:rPr lang="en-US" dirty="0"/>
+              <a:t> isn’t huge, which could indicate that a paired samples t-test isn’t being impacted too much data due to failing the independence assumption in this case.  This supports the viability of its use on the original data set.</a:t>
             </a:r>
           </a:p>
           <a:p>
@@ -3945,7 +4109,7 @@
 </p:sld>
 </file>
 
-<file path=ppt/slides/slide12.xml><?xml version="1.0" encoding="utf-8"?>
+<file path=ppt/slides/slide13.xml><?xml version="1.0" encoding="utf-8"?>
 <p:sld xmlns:a="http://schemas.openxmlformats.org/drawingml/2006/main" xmlns:r="http://schemas.openxmlformats.org/officeDocument/2006/relationships" xmlns:p="http://schemas.openxmlformats.org/presentationml/2006/main">
   <p:cSld>
     <p:spTree>
@@ -4862,7 +5026,7 @@
           <p:cNvPr id="2" name="Title 1">
             <a:extLst>
               <a:ext uri="{FF2B5EF4-FFF2-40B4-BE49-F238E27FC236}">
-                <a16:creationId xmlns:a16="http://schemas.microsoft.com/office/drawing/2014/main" id="{E901A6C3-F72A-497A-8E3E-CEF2E243711C}"/>
+                <a16:creationId xmlns:a16="http://schemas.microsoft.com/office/drawing/2014/main" id="{620DA688-7B76-4660-9F30-B6509E0CD31D}"/>
               </a:ext>
             </a:extLst>
           </p:cNvPr>
@@ -4880,17 +5044,17 @@
           <a:p>
             <a:r>
               <a:rPr lang="en-US" dirty="0"/>
-              <a:t>Two-Sample T Test Results</a:t>
+              <a:t>Exploratory Analysis Cont.</a:t>
             </a:r>
           </a:p>
         </p:txBody>
       </p:sp>
       <p:pic>
         <p:nvPicPr>
-          <p:cNvPr id="6" name="Content Placeholder 5" descr="Text, letter&#10;&#10;Description automatically generated">
-            <a:extLst>
-              <a:ext uri="{FF2B5EF4-FFF2-40B4-BE49-F238E27FC236}">
-                <a16:creationId xmlns:a16="http://schemas.microsoft.com/office/drawing/2014/main" id="{0CAA84E1-555A-4572-936B-19299817F9C9}"/>
+          <p:cNvPr id="5" name="Content Placeholder 4" descr="Text, letter&#10;&#10;Description automatically generated">
+            <a:extLst>
+              <a:ext uri="{FF2B5EF4-FFF2-40B4-BE49-F238E27FC236}">
+                <a16:creationId xmlns:a16="http://schemas.microsoft.com/office/drawing/2014/main" id="{A5DA2DD5-5121-46A1-993F-76899FA535A7}"/>
               </a:ext>
             </a:extLst>
           </p:cNvPr>
@@ -4915,17 +5079,17 @@
         </p:blipFill>
         <p:spPr>
           <a:xfrm>
-            <a:off x="2785600" y="1690688"/>
-            <a:ext cx="6620799" cy="2448267"/>
+            <a:off x="1728259" y="1719024"/>
+            <a:ext cx="6039693" cy="3419952"/>
           </a:xfrm>
         </p:spPr>
       </p:pic>
       <p:sp>
         <p:nvSpPr>
-          <p:cNvPr id="7" name="TextBox 6">
-            <a:extLst>
-              <a:ext uri="{FF2B5EF4-FFF2-40B4-BE49-F238E27FC236}">
-                <a16:creationId xmlns:a16="http://schemas.microsoft.com/office/drawing/2014/main" id="{F02D071F-AA99-4D7F-A54E-E2C18DEE2F4C}"/>
+          <p:cNvPr id="6" name="TextBox 5">
+            <a:extLst>
+              <a:ext uri="{FF2B5EF4-FFF2-40B4-BE49-F238E27FC236}">
+                <a16:creationId xmlns:a16="http://schemas.microsoft.com/office/drawing/2014/main" id="{DEE31663-1E5F-434D-B87E-1A40F0A67528}"/>
               </a:ext>
             </a:extLst>
           </p:cNvPr>
@@ -4934,8 +5098,8 @@
         </p:nvSpPr>
         <p:spPr>
           <a:xfrm>
-            <a:off x="2235200" y="4329854"/>
-            <a:ext cx="7545493" cy="1477328"/>
+            <a:off x="1490133" y="5791200"/>
+            <a:ext cx="10058908" cy="646331"/>
           </a:xfrm>
           <a:prstGeom prst="rect">
             <a:avLst/>
@@ -4943,36 +5107,88 @@
           <a:noFill/>
         </p:spPr>
         <p:txBody>
-          <a:bodyPr wrap="square" rtlCol="0">
+          <a:bodyPr wrap="none" rtlCol="0">
             <a:spAutoFit/>
           </a:bodyPr>
           <a:lstStyle/>
           <a:p>
             <a:r>
               <a:rPr lang="en-US" dirty="0"/>
-              <a:t>We do not find statistically Significant evidence of a difference in population mean rating between first and second seasons of tv shows.  </a:t>
-            </a:r>
-          </a:p>
-          <a:p>
-            <a:endParaRPr lang="en-US" dirty="0"/>
-          </a:p>
-          <a:p>
+              <a:t>P </a:t>
+            </a:r>
+            <a:r>
+              <a:rPr lang="en-US" dirty="0" err="1"/>
+              <a:t>val</a:t>
+            </a:r>
             <a:r>
               <a:rPr lang="en-US" dirty="0"/>
-              <a:t>It could be worth trying to run this analysis again in the future if we have a larger pool of data than </a:t>
-            </a:r>
-            <a:r>
-              <a:rPr lang="en-US"/>
-              <a:t>226 observations.</a:t>
-            </a:r>
-            <a:endParaRPr lang="en-US" dirty="0"/>
+              <a:t> of &lt; .001 confirms our expectation that season 1 values and season 2 values are not independent of </a:t>
+            </a:r>
+          </a:p>
+          <a:p>
+            <a:r>
+              <a:rPr lang="en-US" dirty="0"/>
+              <a:t>one another. </a:t>
+            </a:r>
+          </a:p>
+        </p:txBody>
+      </p:sp>
+      <p:sp>
+        <p:nvSpPr>
+          <p:cNvPr id="7" name="Oval 6">
+            <a:extLst>
+              <a:ext uri="{FF2B5EF4-FFF2-40B4-BE49-F238E27FC236}">
+                <a16:creationId xmlns:a16="http://schemas.microsoft.com/office/drawing/2014/main" id="{050B7027-CD6A-4EBD-9446-B36334DE35CD}"/>
+              </a:ext>
+            </a:extLst>
+          </p:cNvPr>
+          <p:cNvSpPr/>
+          <p:nvPr/>
+        </p:nvSpPr>
+        <p:spPr>
+          <a:xfrm>
+            <a:off x="5750560" y="3576320"/>
+            <a:ext cx="609600" cy="264160"/>
+          </a:xfrm>
+          <a:prstGeom prst="ellipse">
+            <a:avLst/>
+          </a:prstGeom>
+          <a:noFill/>
+          <a:ln>
+            <a:solidFill>
+              <a:srgbClr val="FF0000"/>
+            </a:solidFill>
+          </a:ln>
+        </p:spPr>
+        <p:style>
+          <a:lnRef idx="2">
+            <a:schemeClr val="accent1">
+              <a:shade val="50000"/>
+            </a:schemeClr>
+          </a:lnRef>
+          <a:fillRef idx="1">
+            <a:schemeClr val="accent1"/>
+          </a:fillRef>
+          <a:effectRef idx="0">
+            <a:schemeClr val="accent1"/>
+          </a:effectRef>
+          <a:fontRef idx="minor">
+            <a:schemeClr val="lt1"/>
+          </a:fontRef>
+        </p:style>
+        <p:txBody>
+          <a:bodyPr rtlCol="0" anchor="ctr"/>
+          <a:lstStyle/>
+          <a:p>
+            <a:pPr algn="ctr"/>
+            <a:endParaRPr lang="en-US"/>
           </a:p>
         </p:txBody>
       </p:sp>
     </p:spTree>
     <p:extLst>
       <p:ext uri="{BB962C8B-B14F-4D97-AF65-F5344CB8AC3E}">
-        <p14:creationId xmlns:p14="http://schemas.microsoft.com/office/powerpoint/2010/main" val="1210001283"/>
+        <p14:creationId xmlns:p14="http://schemas.microsoft.com/office/powerpoint/2010/main" val="263045210"/>
       </p:ext>
     </p:extLst>
   </p:cSld>
@@ -5004,7 +5220,7 @@
           <p:cNvPr id="2" name="Title 1">
             <a:extLst>
               <a:ext uri="{FF2B5EF4-FFF2-40B4-BE49-F238E27FC236}">
-                <a16:creationId xmlns:a16="http://schemas.microsoft.com/office/drawing/2014/main" id="{AAD67D5E-5D5C-4328-A672-6942E13EA394}"/>
+                <a16:creationId xmlns:a16="http://schemas.microsoft.com/office/drawing/2014/main" id="{E901A6C3-F72A-497A-8E3E-CEF2E243711C}"/>
               </a:ext>
             </a:extLst>
           </p:cNvPr>
@@ -5022,57 +5238,99 @@
           <a:p>
             <a:r>
               <a:rPr lang="en-US" dirty="0"/>
-              <a:t>Bootstrap Sampling</a:t>
-            </a:r>
-          </a:p>
-        </p:txBody>
-      </p:sp>
-      <p:sp>
-        <p:nvSpPr>
-          <p:cNvPr id="3" name="Content Placeholder 2">
-            <a:extLst>
-              <a:ext uri="{FF2B5EF4-FFF2-40B4-BE49-F238E27FC236}">
-                <a16:creationId xmlns:a16="http://schemas.microsoft.com/office/drawing/2014/main" id="{BCDBEC09-12C4-4523-9DB1-90D0E2CF9F1B}"/>
-              </a:ext>
-            </a:extLst>
-          </p:cNvPr>
-          <p:cNvSpPr>
-            <a:spLocks noGrp="1"/>
-          </p:cNvSpPr>
+              <a:t>Two-Sample T Test Results</a:t>
+            </a:r>
+          </a:p>
+        </p:txBody>
+      </p:sp>
+      <p:pic>
+        <p:nvPicPr>
+          <p:cNvPr id="6" name="Content Placeholder 5" descr="Text, letter&#10;&#10;Description automatically generated">
+            <a:extLst>
+              <a:ext uri="{FF2B5EF4-FFF2-40B4-BE49-F238E27FC236}">
+                <a16:creationId xmlns:a16="http://schemas.microsoft.com/office/drawing/2014/main" id="{0CAA84E1-555A-4572-936B-19299817F9C9}"/>
+              </a:ext>
+            </a:extLst>
+          </p:cNvPr>
+          <p:cNvPicPr>
+            <a:picLocks noGrp="1" noChangeAspect="1"/>
+          </p:cNvPicPr>
           <p:nvPr>
             <p:ph idx="1"/>
           </p:nvPr>
-        </p:nvSpPr>
-        <p:spPr/>
-        <p:txBody>
-          <a:bodyPr/>
+        </p:nvPicPr>
+        <p:blipFill>
+          <a:blip r:embed="rId2">
+            <a:extLst>
+              <a:ext uri="{28A0092B-C50C-407E-A947-70E740481C1C}">
+                <a14:useLocalDpi xmlns:a14="http://schemas.microsoft.com/office/drawing/2010/main" val="0"/>
+              </a:ext>
+            </a:extLst>
+          </a:blip>
+          <a:stretch>
+            <a:fillRect/>
+          </a:stretch>
+        </p:blipFill>
+        <p:spPr>
+          <a:xfrm>
+            <a:off x="2785600" y="1690688"/>
+            <a:ext cx="6620799" cy="2448267"/>
+          </a:xfrm>
+        </p:spPr>
+      </p:pic>
+      <p:sp>
+        <p:nvSpPr>
+          <p:cNvPr id="7" name="TextBox 6">
+            <a:extLst>
+              <a:ext uri="{FF2B5EF4-FFF2-40B4-BE49-F238E27FC236}">
+                <a16:creationId xmlns:a16="http://schemas.microsoft.com/office/drawing/2014/main" id="{F02D071F-AA99-4D7F-A54E-E2C18DEE2F4C}"/>
+              </a:ext>
+            </a:extLst>
+          </p:cNvPr>
+          <p:cNvSpPr txBox="1"/>
+          <p:nvPr/>
+        </p:nvSpPr>
+        <p:spPr>
+          <a:xfrm>
+            <a:off x="2235200" y="4329854"/>
+            <a:ext cx="7545493" cy="1477328"/>
+          </a:xfrm>
+          <a:prstGeom prst="rect">
+            <a:avLst/>
+          </a:prstGeom>
+          <a:noFill/>
+        </p:spPr>
+        <p:txBody>
+          <a:bodyPr wrap="square" rtlCol="0">
+            <a:spAutoFit/>
+          </a:bodyPr>
           <a:lstStyle/>
           <a:p>
             <a:r>
               <a:rPr lang="en-US" dirty="0"/>
-              <a:t>Took 20000 Bootstrap samples of size 200  from our original sample of 226 shows for each season.  Corresponding season 1 and season 2 values were not picked.  </a:t>
-            </a:r>
-            <a:r>
-              <a:rPr lang="en-US" dirty="0" err="1"/>
-              <a:t>I.e</a:t>
-            </a:r>
+              <a:t>We do not find statistically Significant evidence of a difference in population mean rating between first and second seasons of tv shows.  </a:t>
+            </a:r>
+          </a:p>
+          <a:p>
+            <a:endParaRPr lang="en-US" dirty="0"/>
+          </a:p>
+          <a:p>
             <a:r>
               <a:rPr lang="en-US" dirty="0"/>
-              <a:t> they were not sampled in pairs.  They were sampled separately with replacement.  This means that the sample taken for season 1 is independent here from the sample taken for season 2.</a:t>
-            </a:r>
-          </a:p>
-          <a:p>
-            <a:r>
-              <a:rPr lang="en-US" dirty="0"/>
-              <a:t>Since the season 1 values in the boot strap samples were gathered independently from the season 2 values, we should no longer be in violation of the independence assumption for a two-sample t test.</a:t>
-            </a:r>
+              <a:t>It could be worth trying to run this analysis again in the future if we have a larger pool of data than </a:t>
+            </a:r>
+            <a:r>
+              <a:rPr lang="en-US"/>
+              <a:t>226 observations.</a:t>
+            </a:r>
+            <a:endParaRPr lang="en-US" dirty="0"/>
           </a:p>
         </p:txBody>
       </p:sp>
     </p:spTree>
     <p:extLst>
       <p:ext uri="{BB962C8B-B14F-4D97-AF65-F5344CB8AC3E}">
-        <p14:creationId xmlns:p14="http://schemas.microsoft.com/office/powerpoint/2010/main" val="2239259575"/>
+        <p14:creationId xmlns:p14="http://schemas.microsoft.com/office/powerpoint/2010/main" val="1210001283"/>
       </p:ext>
     </p:extLst>
   </p:cSld>

--- a/400 Presentation.pptx
+++ b/400 Presentation.pptx
@@ -11,13 +11,14 @@
     <p:sldId id="261" r:id="rId5"/>
     <p:sldId id="258" r:id="rId6"/>
     <p:sldId id="262" r:id="rId7"/>
-    <p:sldId id="257" r:id="rId8"/>
-    <p:sldId id="268" r:id="rId9"/>
-    <p:sldId id="263" r:id="rId10"/>
-    <p:sldId id="265" r:id="rId11"/>
-    <p:sldId id="266" r:id="rId12"/>
-    <p:sldId id="267" r:id="rId13"/>
-    <p:sldId id="264" r:id="rId14"/>
+    <p:sldId id="269" r:id="rId8"/>
+    <p:sldId id="257" r:id="rId9"/>
+    <p:sldId id="268" r:id="rId10"/>
+    <p:sldId id="263" r:id="rId11"/>
+    <p:sldId id="265" r:id="rId12"/>
+    <p:sldId id="266" r:id="rId13"/>
+    <p:sldId id="267" r:id="rId14"/>
+    <p:sldId id="264" r:id="rId15"/>
   </p:sldIdLst>
   <p:sldSz cx="12192000" cy="6858000"/>
   <p:notesSz cx="6858000" cy="9144000"/>
@@ -627,7 +628,7 @@
           <a:p>
             <a:fld id="{4A012FA5-57F2-4E13-B123-5C8D89215D5E}" type="datetimeFigureOut">
               <a:rPr lang="en-US" smtClean="0"/>
-              <a:t>12/8/2021</a:t>
+              <a:t>12/9/2021</a:t>
             </a:fld>
             <a:endParaRPr lang="en-US"/>
           </a:p>
@@ -825,7 +826,7 @@
           <a:p>
             <a:fld id="{4A012FA5-57F2-4E13-B123-5C8D89215D5E}" type="datetimeFigureOut">
               <a:rPr lang="en-US" smtClean="0"/>
-              <a:t>12/8/2021</a:t>
+              <a:t>12/9/2021</a:t>
             </a:fld>
             <a:endParaRPr lang="en-US"/>
           </a:p>
@@ -1033,7 +1034,7 @@
           <a:p>
             <a:fld id="{4A012FA5-57F2-4E13-B123-5C8D89215D5E}" type="datetimeFigureOut">
               <a:rPr lang="en-US" smtClean="0"/>
-              <a:t>12/8/2021</a:t>
+              <a:t>12/9/2021</a:t>
             </a:fld>
             <a:endParaRPr lang="en-US"/>
           </a:p>
@@ -1231,7 +1232,7 @@
           <a:p>
             <a:fld id="{4A012FA5-57F2-4E13-B123-5C8D89215D5E}" type="datetimeFigureOut">
               <a:rPr lang="en-US" smtClean="0"/>
-              <a:t>12/8/2021</a:t>
+              <a:t>12/9/2021</a:t>
             </a:fld>
             <a:endParaRPr lang="en-US"/>
           </a:p>
@@ -1506,7 +1507,7 @@
           <a:p>
             <a:fld id="{4A012FA5-57F2-4E13-B123-5C8D89215D5E}" type="datetimeFigureOut">
               <a:rPr lang="en-US" smtClean="0"/>
-              <a:t>12/8/2021</a:t>
+              <a:t>12/9/2021</a:t>
             </a:fld>
             <a:endParaRPr lang="en-US"/>
           </a:p>
@@ -1771,7 +1772,7 @@
           <a:p>
             <a:fld id="{4A012FA5-57F2-4E13-B123-5C8D89215D5E}" type="datetimeFigureOut">
               <a:rPr lang="en-US" smtClean="0"/>
-              <a:t>12/8/2021</a:t>
+              <a:t>12/9/2021</a:t>
             </a:fld>
             <a:endParaRPr lang="en-US"/>
           </a:p>
@@ -2183,7 +2184,7 @@
           <a:p>
             <a:fld id="{4A012FA5-57F2-4E13-B123-5C8D89215D5E}" type="datetimeFigureOut">
               <a:rPr lang="en-US" smtClean="0"/>
-              <a:t>12/8/2021</a:t>
+              <a:t>12/9/2021</a:t>
             </a:fld>
             <a:endParaRPr lang="en-US"/>
           </a:p>
@@ -2324,7 +2325,7 @@
           <a:p>
             <a:fld id="{4A012FA5-57F2-4E13-B123-5C8D89215D5E}" type="datetimeFigureOut">
               <a:rPr lang="en-US" smtClean="0"/>
-              <a:t>12/8/2021</a:t>
+              <a:t>12/9/2021</a:t>
             </a:fld>
             <a:endParaRPr lang="en-US"/>
           </a:p>
@@ -2437,7 +2438,7 @@
           <a:p>
             <a:fld id="{4A012FA5-57F2-4E13-B123-5C8D89215D5E}" type="datetimeFigureOut">
               <a:rPr lang="en-US" smtClean="0"/>
-              <a:t>12/8/2021</a:t>
+              <a:t>12/9/2021</a:t>
             </a:fld>
             <a:endParaRPr lang="en-US"/>
           </a:p>
@@ -2748,7 +2749,7 @@
           <a:p>
             <a:fld id="{4A012FA5-57F2-4E13-B123-5C8D89215D5E}" type="datetimeFigureOut">
               <a:rPr lang="en-US" smtClean="0"/>
-              <a:t>12/8/2021</a:t>
+              <a:t>12/9/2021</a:t>
             </a:fld>
             <a:endParaRPr lang="en-US"/>
           </a:p>
@@ -3036,7 +3037,7 @@
           <a:p>
             <a:fld id="{4A012FA5-57F2-4E13-B123-5C8D89215D5E}" type="datetimeFigureOut">
               <a:rPr lang="en-US" smtClean="0"/>
-              <a:t>12/8/2021</a:t>
+              <a:t>12/9/2021</a:t>
             </a:fld>
             <a:endParaRPr lang="en-US"/>
           </a:p>
@@ -3277,7 +3278,7 @@
           <a:p>
             <a:fld id="{4A012FA5-57F2-4E13-B123-5C8D89215D5E}" type="datetimeFigureOut">
               <a:rPr lang="en-US" smtClean="0"/>
-              <a:t>12/8/2021</a:t>
+              <a:t>12/9/2021</a:t>
             </a:fld>
             <a:endParaRPr lang="en-US"/>
           </a:p>
@@ -3790,7 +3791,7 @@
           <p:cNvPr id="2" name="Title 1">
             <a:extLst>
               <a:ext uri="{FF2B5EF4-FFF2-40B4-BE49-F238E27FC236}">
-                <a16:creationId xmlns:a16="http://schemas.microsoft.com/office/drawing/2014/main" id="{AAD67D5E-5D5C-4328-A672-6942E13EA394}"/>
+                <a16:creationId xmlns:a16="http://schemas.microsoft.com/office/drawing/2014/main" id="{E901A6C3-F72A-497A-8E3E-CEF2E243711C}"/>
               </a:ext>
             </a:extLst>
           </p:cNvPr>
@@ -3808,57 +3809,99 @@
           <a:p>
             <a:r>
               <a:rPr lang="en-US" dirty="0"/>
-              <a:t>Bootstrap Sampling</a:t>
-            </a:r>
-          </a:p>
-        </p:txBody>
-      </p:sp>
-      <p:sp>
-        <p:nvSpPr>
-          <p:cNvPr id="3" name="Content Placeholder 2">
-            <a:extLst>
-              <a:ext uri="{FF2B5EF4-FFF2-40B4-BE49-F238E27FC236}">
-                <a16:creationId xmlns:a16="http://schemas.microsoft.com/office/drawing/2014/main" id="{BCDBEC09-12C4-4523-9DB1-90D0E2CF9F1B}"/>
-              </a:ext>
-            </a:extLst>
-          </p:cNvPr>
-          <p:cNvSpPr>
-            <a:spLocks noGrp="1"/>
-          </p:cNvSpPr>
+              <a:t>Two-Sample T Test Results</a:t>
+            </a:r>
+          </a:p>
+        </p:txBody>
+      </p:sp>
+      <p:pic>
+        <p:nvPicPr>
+          <p:cNvPr id="6" name="Content Placeholder 5" descr="Text, letter&#10;&#10;Description automatically generated">
+            <a:extLst>
+              <a:ext uri="{FF2B5EF4-FFF2-40B4-BE49-F238E27FC236}">
+                <a16:creationId xmlns:a16="http://schemas.microsoft.com/office/drawing/2014/main" id="{0CAA84E1-555A-4572-936B-19299817F9C9}"/>
+              </a:ext>
+            </a:extLst>
+          </p:cNvPr>
+          <p:cNvPicPr>
+            <a:picLocks noGrp="1" noChangeAspect="1"/>
+          </p:cNvPicPr>
           <p:nvPr>
             <p:ph idx="1"/>
           </p:nvPr>
-        </p:nvSpPr>
-        <p:spPr/>
-        <p:txBody>
-          <a:bodyPr/>
+        </p:nvPicPr>
+        <p:blipFill>
+          <a:blip r:embed="rId2">
+            <a:extLst>
+              <a:ext uri="{28A0092B-C50C-407E-A947-70E740481C1C}">
+                <a14:useLocalDpi xmlns:a14="http://schemas.microsoft.com/office/drawing/2010/main" val="0"/>
+              </a:ext>
+            </a:extLst>
+          </a:blip>
+          <a:stretch>
+            <a:fillRect/>
+          </a:stretch>
+        </p:blipFill>
+        <p:spPr>
+          <a:xfrm>
+            <a:off x="2785600" y="1690688"/>
+            <a:ext cx="6620799" cy="2448267"/>
+          </a:xfrm>
+        </p:spPr>
+      </p:pic>
+      <p:sp>
+        <p:nvSpPr>
+          <p:cNvPr id="7" name="TextBox 6">
+            <a:extLst>
+              <a:ext uri="{FF2B5EF4-FFF2-40B4-BE49-F238E27FC236}">
+                <a16:creationId xmlns:a16="http://schemas.microsoft.com/office/drawing/2014/main" id="{F02D071F-AA99-4D7F-A54E-E2C18DEE2F4C}"/>
+              </a:ext>
+            </a:extLst>
+          </p:cNvPr>
+          <p:cNvSpPr txBox="1"/>
+          <p:nvPr/>
+        </p:nvSpPr>
+        <p:spPr>
+          <a:xfrm>
+            <a:off x="2235200" y="4329854"/>
+            <a:ext cx="7545493" cy="1477328"/>
+          </a:xfrm>
+          <a:prstGeom prst="rect">
+            <a:avLst/>
+          </a:prstGeom>
+          <a:noFill/>
+        </p:spPr>
+        <p:txBody>
+          <a:bodyPr wrap="square" rtlCol="0">
+            <a:spAutoFit/>
+          </a:bodyPr>
           <a:lstStyle/>
           <a:p>
             <a:r>
               <a:rPr lang="en-US" dirty="0"/>
-              <a:t>Took 20000 Bootstrap samples of size 200  from our original sample of 226 shows for each season.  Corresponding season 1 and season 2 values were not picked.  </a:t>
-            </a:r>
-            <a:r>
-              <a:rPr lang="en-US" dirty="0" err="1"/>
-              <a:t>I.e</a:t>
-            </a:r>
+              <a:t>We do not find statistically Significant evidence of a difference in population mean rating between first and second seasons of tv shows.  </a:t>
+            </a:r>
+          </a:p>
+          <a:p>
+            <a:endParaRPr lang="en-US" dirty="0"/>
+          </a:p>
+          <a:p>
             <a:r>
               <a:rPr lang="en-US" dirty="0"/>
-              <a:t> they were not sampled in pairs.  They were sampled separately with replacement.  This means that the sample taken for season 1 is independent here from the sample taken for season 2.</a:t>
-            </a:r>
-          </a:p>
-          <a:p>
-            <a:r>
-              <a:rPr lang="en-US" dirty="0"/>
-              <a:t>Since the season 1 values in the boot strap samples were gathered independently from the season 2 values, we should no longer be in violation of the independence assumption for a two-sample t test.</a:t>
-            </a:r>
+              <a:t>It could be worth trying to run this analysis again in the future if we have a larger pool of data than </a:t>
+            </a:r>
+            <a:r>
+              <a:rPr lang="en-US"/>
+              <a:t>226 observations.</a:t>
+            </a:r>
+            <a:endParaRPr lang="en-US" dirty="0"/>
           </a:p>
         </p:txBody>
       </p:sp>
     </p:spTree>
     <p:extLst>
       <p:ext uri="{BB962C8B-B14F-4D97-AF65-F5344CB8AC3E}">
-        <p14:creationId xmlns:p14="http://schemas.microsoft.com/office/powerpoint/2010/main" val="2239259575"/>
+        <p14:creationId xmlns:p14="http://schemas.microsoft.com/office/powerpoint/2010/main" val="1210001283"/>
       </p:ext>
     </p:extLst>
   </p:cSld>
@@ -3890,7 +3933,7 @@
           <p:cNvPr id="2" name="Title 1">
             <a:extLst>
               <a:ext uri="{FF2B5EF4-FFF2-40B4-BE49-F238E27FC236}">
-                <a16:creationId xmlns:a16="http://schemas.microsoft.com/office/drawing/2014/main" id="{E1351F20-6604-4E64-90BE-2354F967EFA0}"/>
+                <a16:creationId xmlns:a16="http://schemas.microsoft.com/office/drawing/2014/main" id="{AAD67D5E-5D5C-4328-A672-6942E13EA394}"/>
               </a:ext>
             </a:extLst>
           </p:cNvPr>
@@ -3908,7 +3951,7 @@
           <a:p>
             <a:r>
               <a:rPr lang="en-US" dirty="0"/>
-              <a:t>Bootstrap Sampling Cont.</a:t>
+              <a:t>Bootstrap Sampling</a:t>
             </a:r>
           </a:p>
         </p:txBody>
@@ -3918,7 +3961,7 @@
           <p:cNvPr id="3" name="Content Placeholder 2">
             <a:extLst>
               <a:ext uri="{FF2B5EF4-FFF2-40B4-BE49-F238E27FC236}">
-                <a16:creationId xmlns:a16="http://schemas.microsoft.com/office/drawing/2014/main" id="{D2FDC841-B9ED-43C0-9CF4-4DC2F6313E29}"/>
+                <a16:creationId xmlns:a16="http://schemas.microsoft.com/office/drawing/2014/main" id="{BCDBEC09-12C4-4523-9DB1-90D0E2CF9F1B}"/>
               </a:ext>
             </a:extLst>
           </p:cNvPr>
@@ -3936,29 +3979,21 @@
           <a:p>
             <a:r>
               <a:rPr lang="en-US" dirty="0"/>
-              <a:t>Mean p </a:t>
+              <a:t>Took 20000 Bootstrap samples of size 200  from our original sample of 226 shows for each season.  Corresponding season 1 and season 2 values were not picked.  </a:t>
             </a:r>
             <a:r>
               <a:rPr lang="en-US" dirty="0" err="1"/>
-              <a:t>val</a:t>
+              <a:t>I.e</a:t>
             </a:r>
             <a:r>
               <a:rPr lang="en-US" dirty="0"/>
-              <a:t> from 20000 two-sample t-tests on bootstrap samples was .427 (.30).  This seems substantially lower than our original calculated p </a:t>
-            </a:r>
-            <a:r>
-              <a:rPr lang="en-US" dirty="0" err="1"/>
-              <a:t>val</a:t>
-            </a:r>
+              <a:t> they were not sampled in pairs.  They were sampled separately with replacement.  This means that the sample taken for season 1 is independent here from the sample taken for season 2.</a:t>
+            </a:r>
+          </a:p>
+          <a:p>
             <a:r>
               <a:rPr lang="en-US" dirty="0"/>
-              <a:t> of .462.</a:t>
-            </a:r>
-          </a:p>
-          <a:p>
-            <a:r>
-              <a:rPr lang="en-US" dirty="0"/>
-              <a:t> Still no statistically significant evidence of difference in population means between season 1 and season 2, so our interpretation of the results does not change.</a:t>
+              <a:t>Since the season 1 values in the boot strap samples were gathered independently from the season 2 values, we should no longer be in violation of the independence assumption for a two-sample t test.</a:t>
             </a:r>
           </a:p>
         </p:txBody>
@@ -3966,7 +4001,7 @@
     </p:spTree>
     <p:extLst>
       <p:ext uri="{BB962C8B-B14F-4D97-AF65-F5344CB8AC3E}">
-        <p14:creationId xmlns:p14="http://schemas.microsoft.com/office/powerpoint/2010/main" val="3568464628"/>
+        <p14:creationId xmlns:p14="http://schemas.microsoft.com/office/powerpoint/2010/main" val="2239259575"/>
       </p:ext>
     </p:extLst>
   </p:cSld>
@@ -3998,6 +4033,114 @@
           <p:cNvPr id="2" name="Title 1">
             <a:extLst>
               <a:ext uri="{FF2B5EF4-FFF2-40B4-BE49-F238E27FC236}">
+                <a16:creationId xmlns:a16="http://schemas.microsoft.com/office/drawing/2014/main" id="{E1351F20-6604-4E64-90BE-2354F967EFA0}"/>
+              </a:ext>
+            </a:extLst>
+          </p:cNvPr>
+          <p:cNvSpPr>
+            <a:spLocks noGrp="1"/>
+          </p:cNvSpPr>
+          <p:nvPr>
+            <p:ph type="title"/>
+          </p:nvPr>
+        </p:nvSpPr>
+        <p:spPr/>
+        <p:txBody>
+          <a:bodyPr/>
+          <a:lstStyle/>
+          <a:p>
+            <a:r>
+              <a:rPr lang="en-US" dirty="0"/>
+              <a:t>Bootstrap Sampling Cont.</a:t>
+            </a:r>
+          </a:p>
+        </p:txBody>
+      </p:sp>
+      <p:sp>
+        <p:nvSpPr>
+          <p:cNvPr id="3" name="Content Placeholder 2">
+            <a:extLst>
+              <a:ext uri="{FF2B5EF4-FFF2-40B4-BE49-F238E27FC236}">
+                <a16:creationId xmlns:a16="http://schemas.microsoft.com/office/drawing/2014/main" id="{D2FDC841-B9ED-43C0-9CF4-4DC2F6313E29}"/>
+              </a:ext>
+            </a:extLst>
+          </p:cNvPr>
+          <p:cNvSpPr>
+            <a:spLocks noGrp="1"/>
+          </p:cNvSpPr>
+          <p:nvPr>
+            <p:ph idx="1"/>
+          </p:nvPr>
+        </p:nvSpPr>
+        <p:spPr/>
+        <p:txBody>
+          <a:bodyPr/>
+          <a:lstStyle/>
+          <a:p>
+            <a:r>
+              <a:rPr lang="en-US" dirty="0"/>
+              <a:t>Mean p </a:t>
+            </a:r>
+            <a:r>
+              <a:rPr lang="en-US" dirty="0" err="1"/>
+              <a:t>val</a:t>
+            </a:r>
+            <a:r>
+              <a:rPr lang="en-US" dirty="0"/>
+              <a:t> from 20000 two-sample t-tests on bootstrap samples was .427 (.30).  This seems substantially lower than our original calculated p </a:t>
+            </a:r>
+            <a:r>
+              <a:rPr lang="en-US" dirty="0" err="1"/>
+              <a:t>val</a:t>
+            </a:r>
+            <a:r>
+              <a:rPr lang="en-US" dirty="0"/>
+              <a:t> of .462.</a:t>
+            </a:r>
+          </a:p>
+          <a:p>
+            <a:r>
+              <a:rPr lang="en-US" dirty="0"/>
+              <a:t> Still no statistically significant evidence of difference in population means between season 1 and season 2, so our interpretation of the results does not change.</a:t>
+            </a:r>
+          </a:p>
+        </p:txBody>
+      </p:sp>
+    </p:spTree>
+    <p:extLst>
+      <p:ext uri="{BB962C8B-B14F-4D97-AF65-F5344CB8AC3E}">
+        <p14:creationId xmlns:p14="http://schemas.microsoft.com/office/powerpoint/2010/main" val="3568464628"/>
+      </p:ext>
+    </p:extLst>
+  </p:cSld>
+  <p:clrMapOvr>
+    <a:masterClrMapping/>
+  </p:clrMapOvr>
+</p:sld>
+</file>
+
+<file path=ppt/slides/slide13.xml><?xml version="1.0" encoding="utf-8"?>
+<p:sld xmlns:a="http://schemas.openxmlformats.org/drawingml/2006/main" xmlns:r="http://schemas.openxmlformats.org/officeDocument/2006/relationships" xmlns:p="http://schemas.openxmlformats.org/presentationml/2006/main">
+  <p:cSld>
+    <p:spTree>
+      <p:nvGrpSpPr>
+        <p:cNvPr id="1" name=""/>
+        <p:cNvGrpSpPr/>
+        <p:nvPr/>
+      </p:nvGrpSpPr>
+      <p:grpSpPr>
+        <a:xfrm>
+          <a:off x="0" y="0"/>
+          <a:ext cx="0" cy="0"/>
+          <a:chOff x="0" y="0"/>
+          <a:chExt cx="0" cy="0"/>
+        </a:xfrm>
+      </p:grpSpPr>
+      <p:sp>
+        <p:nvSpPr>
+          <p:cNvPr id="2" name="Title 1">
+            <a:extLst>
+              <a:ext uri="{FF2B5EF4-FFF2-40B4-BE49-F238E27FC236}">
                 <a16:creationId xmlns:a16="http://schemas.microsoft.com/office/drawing/2014/main" id="{7499F57B-C6F3-45F4-98BB-5B6882C5F274}"/>
               </a:ext>
             </a:extLst>
@@ -4109,7 +4252,7 @@
 </p:sld>
 </file>
 
-<file path=ppt/slides/slide13.xml><?xml version="1.0" encoding="utf-8"?>
+<file path=ppt/slides/slide14.xml><?xml version="1.0" encoding="utf-8"?>
 <p:sld xmlns:a="http://schemas.openxmlformats.org/drawingml/2006/main" xmlns:r="http://schemas.openxmlformats.org/officeDocument/2006/relationships" xmlns:p="http://schemas.openxmlformats.org/presentationml/2006/main">
   <p:cSld>
     <p:spTree>
@@ -4847,6 +4990,211 @@
           <p:cNvPr id="2" name="Title 1">
             <a:extLst>
               <a:ext uri="{FF2B5EF4-FFF2-40B4-BE49-F238E27FC236}">
+                <a16:creationId xmlns:a16="http://schemas.microsoft.com/office/drawing/2014/main" id="{FC29CCB5-8257-4BDC-AF43-327DEC6BA5CD}"/>
+              </a:ext>
+            </a:extLst>
+          </p:cNvPr>
+          <p:cNvSpPr>
+            <a:spLocks noGrp="1"/>
+          </p:cNvSpPr>
+          <p:nvPr>
+            <p:ph type="title"/>
+          </p:nvPr>
+        </p:nvSpPr>
+        <p:spPr/>
+        <p:txBody>
+          <a:bodyPr/>
+          <a:lstStyle/>
+          <a:p>
+            <a:r>
+              <a:rPr lang="en-US" dirty="0"/>
+              <a:t>Exploratory Analysis Cont.</a:t>
+            </a:r>
+            <a:endParaRPr lang="en-IN" dirty="0"/>
+          </a:p>
+        </p:txBody>
+      </p:sp>
+      <p:pic>
+        <p:nvPicPr>
+          <p:cNvPr id="5" name="Content Placeholder 4" descr="Chart, pie chart&#10;&#10;Description automatically generated">
+            <a:extLst>
+              <a:ext uri="{FF2B5EF4-FFF2-40B4-BE49-F238E27FC236}">
+                <a16:creationId xmlns:a16="http://schemas.microsoft.com/office/drawing/2014/main" id="{F74E6C28-A5EB-4DD6-96FB-0C78444B7525}"/>
+              </a:ext>
+            </a:extLst>
+          </p:cNvPr>
+          <p:cNvPicPr>
+            <a:picLocks noGrp="1" noChangeAspect="1"/>
+          </p:cNvPicPr>
+          <p:nvPr>
+            <p:ph idx="1"/>
+          </p:nvPr>
+        </p:nvPicPr>
+        <p:blipFill>
+          <a:blip r:embed="rId2">
+            <a:extLst>
+              <a:ext uri="{28A0092B-C50C-407E-A947-70E740481C1C}">
+                <a14:useLocalDpi xmlns:a14="http://schemas.microsoft.com/office/drawing/2010/main" val="0"/>
+              </a:ext>
+            </a:extLst>
+          </a:blip>
+          <a:stretch>
+            <a:fillRect/>
+          </a:stretch>
+        </p:blipFill>
+        <p:spPr>
+          <a:xfrm>
+            <a:off x="992848" y="1946175"/>
+            <a:ext cx="4058687" cy="4023701"/>
+          </a:xfrm>
+        </p:spPr>
+      </p:pic>
+      <p:pic>
+        <p:nvPicPr>
+          <p:cNvPr id="9" name="Picture 8" descr="Chart, pie chart&#10;&#10;Description automatically generated">
+            <a:extLst>
+              <a:ext uri="{FF2B5EF4-FFF2-40B4-BE49-F238E27FC236}">
+                <a16:creationId xmlns:a16="http://schemas.microsoft.com/office/drawing/2014/main" id="{541C8F3E-A81B-4C6A-A4F6-0FB3B3870F8A}"/>
+              </a:ext>
+            </a:extLst>
+          </p:cNvPr>
+          <p:cNvPicPr>
+            <a:picLocks noChangeAspect="1"/>
+          </p:cNvPicPr>
+          <p:nvPr/>
+        </p:nvPicPr>
+        <p:blipFill>
+          <a:blip r:embed="rId3">
+            <a:extLst>
+              <a:ext uri="{28A0092B-C50C-407E-A947-70E740481C1C}">
+                <a14:useLocalDpi xmlns:a14="http://schemas.microsoft.com/office/drawing/2010/main" val="0"/>
+              </a:ext>
+            </a:extLst>
+          </a:blip>
+          <a:stretch>
+            <a:fillRect/>
+          </a:stretch>
+        </p:blipFill>
+        <p:spPr>
+          <a:xfrm>
+            <a:off x="6096000" y="1812981"/>
+            <a:ext cx="4193039" cy="4156895"/>
+          </a:xfrm>
+          <a:prstGeom prst="rect">
+            <a:avLst/>
+          </a:prstGeom>
+        </p:spPr>
+      </p:pic>
+      <p:sp>
+        <p:nvSpPr>
+          <p:cNvPr id="11" name="TextBox 10">
+            <a:extLst>
+              <a:ext uri="{FF2B5EF4-FFF2-40B4-BE49-F238E27FC236}">
+                <a16:creationId xmlns:a16="http://schemas.microsoft.com/office/drawing/2014/main" id="{93A94A85-AB06-4398-88FB-FA1E2BEEEAE3}"/>
+              </a:ext>
+            </a:extLst>
+          </p:cNvPr>
+          <p:cNvSpPr txBox="1"/>
+          <p:nvPr/>
+        </p:nvSpPr>
+        <p:spPr>
+          <a:xfrm>
+            <a:off x="1257008" y="6225363"/>
+            <a:ext cx="3314992" cy="369332"/>
+          </a:xfrm>
+          <a:prstGeom prst="rect">
+            <a:avLst/>
+          </a:prstGeom>
+          <a:noFill/>
+        </p:spPr>
+        <p:txBody>
+          <a:bodyPr wrap="square" rtlCol="0">
+            <a:spAutoFit/>
+          </a:bodyPr>
+          <a:lstStyle/>
+          <a:p>
+            <a:r>
+              <a:rPr lang="en-US" dirty="0"/>
+              <a:t>Season-1 Pie Chart for Avg ratings</a:t>
+            </a:r>
+            <a:endParaRPr lang="en-IN" dirty="0"/>
+          </a:p>
+        </p:txBody>
+      </p:sp>
+      <p:sp>
+        <p:nvSpPr>
+          <p:cNvPr id="16" name="TextBox 15">
+            <a:extLst>
+              <a:ext uri="{FF2B5EF4-FFF2-40B4-BE49-F238E27FC236}">
+                <a16:creationId xmlns:a16="http://schemas.microsoft.com/office/drawing/2014/main" id="{E8CB62BA-9B6D-405D-BB58-E451A59B33E9}"/>
+              </a:ext>
+            </a:extLst>
+          </p:cNvPr>
+          <p:cNvSpPr txBox="1"/>
+          <p:nvPr/>
+        </p:nvSpPr>
+        <p:spPr>
+          <a:xfrm>
+            <a:off x="6390640" y="6217920"/>
+            <a:ext cx="3576320" cy="646331"/>
+          </a:xfrm>
+          <a:prstGeom prst="rect">
+            <a:avLst/>
+          </a:prstGeom>
+          <a:noFill/>
+        </p:spPr>
+        <p:txBody>
+          <a:bodyPr wrap="square" rtlCol="0">
+            <a:spAutoFit/>
+          </a:bodyPr>
+          <a:lstStyle/>
+          <a:p>
+            <a:r>
+              <a:rPr lang="en-US" dirty="0"/>
+              <a:t>Season-2 Pie Chart for Avg ratings</a:t>
+            </a:r>
+            <a:endParaRPr lang="en-IN" dirty="0"/>
+          </a:p>
+          <a:p>
+            <a:endParaRPr lang="en-IN" dirty="0"/>
+          </a:p>
+        </p:txBody>
+      </p:sp>
+    </p:spTree>
+    <p:extLst>
+      <p:ext uri="{BB962C8B-B14F-4D97-AF65-F5344CB8AC3E}">
+        <p14:creationId xmlns:p14="http://schemas.microsoft.com/office/powerpoint/2010/main" val="3289608887"/>
+      </p:ext>
+    </p:extLst>
+  </p:cSld>
+  <p:clrMapOvr>
+    <a:masterClrMapping/>
+  </p:clrMapOvr>
+</p:sld>
+</file>
+
+<file path=ppt/slides/slide8.xml><?xml version="1.0" encoding="utf-8"?>
+<p:sld xmlns:a="http://schemas.openxmlformats.org/drawingml/2006/main" xmlns:r="http://schemas.openxmlformats.org/officeDocument/2006/relationships" xmlns:p="http://schemas.openxmlformats.org/presentationml/2006/main">
+  <p:cSld>
+    <p:spTree>
+      <p:nvGrpSpPr>
+        <p:cNvPr id="1" name=""/>
+        <p:cNvGrpSpPr/>
+        <p:nvPr/>
+      </p:nvGrpSpPr>
+      <p:grpSpPr>
+        <a:xfrm>
+          <a:off x="0" y="0"/>
+          <a:ext cx="0" cy="0"/>
+          <a:chOff x="0" y="0"/>
+          <a:chExt cx="0" cy="0"/>
+        </a:xfrm>
+      </p:grpSpPr>
+      <p:sp>
+        <p:nvSpPr>
+          <p:cNvPr id="2" name="Title 1">
+            <a:extLst>
+              <a:ext uri="{FF2B5EF4-FFF2-40B4-BE49-F238E27FC236}">
                 <a16:creationId xmlns:a16="http://schemas.microsoft.com/office/drawing/2014/main" id="{9E5DFA6D-CD51-4530-A0A4-309DA1A83038}"/>
               </a:ext>
             </a:extLst>
@@ -5004,7 +5352,7 @@
 </p:sld>
 </file>
 
-<file path=ppt/slides/slide8.xml><?xml version="1.0" encoding="utf-8"?>
+<file path=ppt/slides/slide9.xml><?xml version="1.0" encoding="utf-8"?>
 <p:sld xmlns:a="http://schemas.openxmlformats.org/drawingml/2006/main" xmlns:r="http://schemas.openxmlformats.org/officeDocument/2006/relationships" xmlns:p="http://schemas.openxmlformats.org/presentationml/2006/main">
   <p:cSld>
     <p:spTree>
@@ -5189,148 +5537,6 @@
     <p:extLst>
       <p:ext uri="{BB962C8B-B14F-4D97-AF65-F5344CB8AC3E}">
         <p14:creationId xmlns:p14="http://schemas.microsoft.com/office/powerpoint/2010/main" val="263045210"/>
-      </p:ext>
-    </p:extLst>
-  </p:cSld>
-  <p:clrMapOvr>
-    <a:masterClrMapping/>
-  </p:clrMapOvr>
-</p:sld>
-</file>
-
-<file path=ppt/slides/slide9.xml><?xml version="1.0" encoding="utf-8"?>
-<p:sld xmlns:a="http://schemas.openxmlformats.org/drawingml/2006/main" xmlns:r="http://schemas.openxmlformats.org/officeDocument/2006/relationships" xmlns:p="http://schemas.openxmlformats.org/presentationml/2006/main">
-  <p:cSld>
-    <p:spTree>
-      <p:nvGrpSpPr>
-        <p:cNvPr id="1" name=""/>
-        <p:cNvGrpSpPr/>
-        <p:nvPr/>
-      </p:nvGrpSpPr>
-      <p:grpSpPr>
-        <a:xfrm>
-          <a:off x="0" y="0"/>
-          <a:ext cx="0" cy="0"/>
-          <a:chOff x="0" y="0"/>
-          <a:chExt cx="0" cy="0"/>
-        </a:xfrm>
-      </p:grpSpPr>
-      <p:sp>
-        <p:nvSpPr>
-          <p:cNvPr id="2" name="Title 1">
-            <a:extLst>
-              <a:ext uri="{FF2B5EF4-FFF2-40B4-BE49-F238E27FC236}">
-                <a16:creationId xmlns:a16="http://schemas.microsoft.com/office/drawing/2014/main" id="{E901A6C3-F72A-497A-8E3E-CEF2E243711C}"/>
-              </a:ext>
-            </a:extLst>
-          </p:cNvPr>
-          <p:cNvSpPr>
-            <a:spLocks noGrp="1"/>
-          </p:cNvSpPr>
-          <p:nvPr>
-            <p:ph type="title"/>
-          </p:nvPr>
-        </p:nvSpPr>
-        <p:spPr/>
-        <p:txBody>
-          <a:bodyPr/>
-          <a:lstStyle/>
-          <a:p>
-            <a:r>
-              <a:rPr lang="en-US" dirty="0"/>
-              <a:t>Two-Sample T Test Results</a:t>
-            </a:r>
-          </a:p>
-        </p:txBody>
-      </p:sp>
-      <p:pic>
-        <p:nvPicPr>
-          <p:cNvPr id="6" name="Content Placeholder 5" descr="Text, letter&#10;&#10;Description automatically generated">
-            <a:extLst>
-              <a:ext uri="{FF2B5EF4-FFF2-40B4-BE49-F238E27FC236}">
-                <a16:creationId xmlns:a16="http://schemas.microsoft.com/office/drawing/2014/main" id="{0CAA84E1-555A-4572-936B-19299817F9C9}"/>
-              </a:ext>
-            </a:extLst>
-          </p:cNvPr>
-          <p:cNvPicPr>
-            <a:picLocks noGrp="1" noChangeAspect="1"/>
-          </p:cNvPicPr>
-          <p:nvPr>
-            <p:ph idx="1"/>
-          </p:nvPr>
-        </p:nvPicPr>
-        <p:blipFill>
-          <a:blip r:embed="rId2">
-            <a:extLst>
-              <a:ext uri="{28A0092B-C50C-407E-A947-70E740481C1C}">
-                <a14:useLocalDpi xmlns:a14="http://schemas.microsoft.com/office/drawing/2010/main" val="0"/>
-              </a:ext>
-            </a:extLst>
-          </a:blip>
-          <a:stretch>
-            <a:fillRect/>
-          </a:stretch>
-        </p:blipFill>
-        <p:spPr>
-          <a:xfrm>
-            <a:off x="2785600" y="1690688"/>
-            <a:ext cx="6620799" cy="2448267"/>
-          </a:xfrm>
-        </p:spPr>
-      </p:pic>
-      <p:sp>
-        <p:nvSpPr>
-          <p:cNvPr id="7" name="TextBox 6">
-            <a:extLst>
-              <a:ext uri="{FF2B5EF4-FFF2-40B4-BE49-F238E27FC236}">
-                <a16:creationId xmlns:a16="http://schemas.microsoft.com/office/drawing/2014/main" id="{F02D071F-AA99-4D7F-A54E-E2C18DEE2F4C}"/>
-              </a:ext>
-            </a:extLst>
-          </p:cNvPr>
-          <p:cNvSpPr txBox="1"/>
-          <p:nvPr/>
-        </p:nvSpPr>
-        <p:spPr>
-          <a:xfrm>
-            <a:off x="2235200" y="4329854"/>
-            <a:ext cx="7545493" cy="1477328"/>
-          </a:xfrm>
-          <a:prstGeom prst="rect">
-            <a:avLst/>
-          </a:prstGeom>
-          <a:noFill/>
-        </p:spPr>
-        <p:txBody>
-          <a:bodyPr wrap="square" rtlCol="0">
-            <a:spAutoFit/>
-          </a:bodyPr>
-          <a:lstStyle/>
-          <a:p>
-            <a:r>
-              <a:rPr lang="en-US" dirty="0"/>
-              <a:t>We do not find statistically Significant evidence of a difference in population mean rating between first and second seasons of tv shows.  </a:t>
-            </a:r>
-          </a:p>
-          <a:p>
-            <a:endParaRPr lang="en-US" dirty="0"/>
-          </a:p>
-          <a:p>
-            <a:r>
-              <a:rPr lang="en-US" dirty="0"/>
-              <a:t>It could be worth trying to run this analysis again in the future if we have a larger pool of data than </a:t>
-            </a:r>
-            <a:r>
-              <a:rPr lang="en-US"/>
-              <a:t>226 observations.</a:t>
-            </a:r>
-            <a:endParaRPr lang="en-US" dirty="0"/>
-          </a:p>
-        </p:txBody>
-      </p:sp>
-    </p:spTree>
-    <p:extLst>
-      <p:ext uri="{BB962C8B-B14F-4D97-AF65-F5344CB8AC3E}">
-        <p14:creationId xmlns:p14="http://schemas.microsoft.com/office/powerpoint/2010/main" val="1210001283"/>
       </p:ext>
     </p:extLst>
   </p:cSld>

--- a/400 Presentation.pptx
+++ b/400 Presentation.pptx
@@ -18,7 +18,6 @@
     <p:sldId id="265" r:id="rId12"/>
     <p:sldId id="266" r:id="rId13"/>
     <p:sldId id="267" r:id="rId14"/>
-    <p:sldId id="264" r:id="rId15"/>
   </p:sldIdLst>
   <p:sldSz cx="12192000" cy="6858000"/>
   <p:notesSz cx="6858000" cy="9144000"/>
@@ -128,7 +127,7 @@
 <file path=ppt/revisionInfo.xml><?xml version="1.0" encoding="utf-8"?>
 <p1510:revInfo xmlns:a="http://schemas.openxmlformats.org/drawingml/2006/main" xmlns:r="http://schemas.openxmlformats.org/officeDocument/2006/relationships" xmlns:p1510="http://schemas.microsoft.com/office/powerpoint/2015/10/main">
   <p1510:revLst>
-    <p1510:client id="{19DCA71C-59DA-4BE2-80FE-712F63F41E9E}" v="13" dt="2021-12-08T09:40:04.564"/>
+    <p1510:client id="{19DCA71C-59DA-4BE2-80FE-712F63F41E9E}" v="14" dt="2021-12-09T15:19:08.169"/>
   </p1510:revLst>
 </p1510:revInfo>
 </file>
@@ -137,8 +136,8 @@
 <pc:chgInfo xmlns:a="http://schemas.openxmlformats.org/drawingml/2006/main" xmlns:r="http://schemas.openxmlformats.org/officeDocument/2006/relationships" xmlns:ac="http://schemas.microsoft.com/office/drawing/2013/main/command" xmlns:pc="http://schemas.microsoft.com/office/powerpoint/2013/main/command">
   <pc:docChgLst>
     <pc:chgData name="dan" userId="52998601ba1e9464" providerId="LiveId" clId="{19DCA71C-59DA-4BE2-80FE-712F63F41E9E}"/>
-    <pc:docChg chg="undo custSel addSld modSld sldOrd">
-      <pc:chgData name="dan" userId="52998601ba1e9464" providerId="LiveId" clId="{19DCA71C-59DA-4BE2-80FE-712F63F41E9E}" dt="2021-12-08T09:41:28.389" v="5654" actId="208"/>
+    <pc:docChg chg="undo custSel addSld delSld modSld sldOrd">
+      <pc:chgData name="dan" userId="52998601ba1e9464" providerId="LiveId" clId="{19DCA71C-59DA-4BE2-80FE-712F63F41E9E}" dt="2021-12-09T15:19:08.168" v="5656" actId="571"/>
       <pc:docMkLst>
         <pc:docMk/>
       </pc:docMkLst>
@@ -345,8 +344,8 @@
           </ac:picMkLst>
         </pc:picChg>
       </pc:sldChg>
-      <pc:sldChg chg="modSp new mod ord">
-        <pc:chgData name="dan" userId="52998601ba1e9464" providerId="LiveId" clId="{19DCA71C-59DA-4BE2-80FE-712F63F41E9E}" dt="2021-12-08T08:45:56.433" v="3947" actId="20577"/>
+      <pc:sldChg chg="modSp new del mod ord">
+        <pc:chgData name="dan" userId="52998601ba1e9464" providerId="LiveId" clId="{19DCA71C-59DA-4BE2-80FE-712F63F41E9E}" dt="2021-12-09T11:36:52.452" v="5655" actId="2696"/>
         <pc:sldMkLst>
           <pc:docMk/>
           <pc:sldMk cId="1116559384" sldId="264"/>
@@ -473,6 +472,21 @@
             <pc:docMk/>
             <pc:sldMk cId="263045210" sldId="268"/>
             <ac:picMk id="5" creationId="{A5DA2DD5-5121-46A1-993F-76899FA535A7}"/>
+          </ac:picMkLst>
+        </pc:picChg>
+      </pc:sldChg>
+      <pc:sldChg chg="addSp modSp">
+        <pc:chgData name="dan" userId="52998601ba1e9464" providerId="LiveId" clId="{19DCA71C-59DA-4BE2-80FE-712F63F41E9E}" dt="2021-12-09T15:19:08.168" v="5656" actId="571"/>
+        <pc:sldMkLst>
+          <pc:docMk/>
+          <pc:sldMk cId="3289608887" sldId="269"/>
+        </pc:sldMkLst>
+        <pc:picChg chg="add mod">
+          <ac:chgData name="dan" userId="52998601ba1e9464" providerId="LiveId" clId="{19DCA71C-59DA-4BE2-80FE-712F63F41E9E}" dt="2021-12-09T15:19:08.168" v="5656" actId="571"/>
+          <ac:picMkLst>
+            <pc:docMk/>
+            <pc:sldMk cId="3289608887" sldId="269"/>
+            <ac:picMk id="7" creationId="{76E163AE-ADEB-4494-B1D2-7568B3482B09}"/>
           </ac:picMkLst>
         </pc:picChg>
       </pc:sldChg>
@@ -4252,128 +4266,6 @@
 </p:sld>
 </file>
 
-<file path=ppt/slides/slide14.xml><?xml version="1.0" encoding="utf-8"?>
-<p:sld xmlns:a="http://schemas.openxmlformats.org/drawingml/2006/main" xmlns:r="http://schemas.openxmlformats.org/officeDocument/2006/relationships" xmlns:p="http://schemas.openxmlformats.org/presentationml/2006/main">
-  <p:cSld>
-    <p:spTree>
-      <p:nvGrpSpPr>
-        <p:cNvPr id="1" name=""/>
-        <p:cNvGrpSpPr/>
-        <p:nvPr/>
-      </p:nvGrpSpPr>
-      <p:grpSpPr>
-        <a:xfrm>
-          <a:off x="0" y="0"/>
-          <a:ext cx="0" cy="0"/>
-          <a:chOff x="0" y="0"/>
-          <a:chExt cx="0" cy="0"/>
-        </a:xfrm>
-      </p:grpSpPr>
-      <p:sp>
-        <p:nvSpPr>
-          <p:cNvPr id="2" name="Title 1">
-            <a:extLst>
-              <a:ext uri="{FF2B5EF4-FFF2-40B4-BE49-F238E27FC236}">
-                <a16:creationId xmlns:a16="http://schemas.microsoft.com/office/drawing/2014/main" id="{05D111AA-1789-4897-AE4D-753B0A92333B}"/>
-              </a:ext>
-            </a:extLst>
-          </p:cNvPr>
-          <p:cNvSpPr>
-            <a:spLocks noGrp="1"/>
-          </p:cNvSpPr>
-          <p:nvPr>
-            <p:ph type="title"/>
-          </p:nvPr>
-        </p:nvSpPr>
-        <p:spPr/>
-        <p:txBody>
-          <a:bodyPr/>
-          <a:lstStyle/>
-          <a:p>
-            <a:endParaRPr lang="en-US" dirty="0"/>
-          </a:p>
-        </p:txBody>
-      </p:sp>
-      <p:sp>
-        <p:nvSpPr>
-          <p:cNvPr id="3" name="Content Placeholder 2">
-            <a:extLst>
-              <a:ext uri="{FF2B5EF4-FFF2-40B4-BE49-F238E27FC236}">
-                <a16:creationId xmlns:a16="http://schemas.microsoft.com/office/drawing/2014/main" id="{617DE4A2-DDF2-4D3D-B625-F1A13438CE22}"/>
-              </a:ext>
-            </a:extLst>
-          </p:cNvPr>
-          <p:cNvSpPr>
-            <a:spLocks noGrp="1"/>
-          </p:cNvSpPr>
-          <p:nvPr>
-            <p:ph idx="1"/>
-          </p:nvPr>
-        </p:nvSpPr>
-        <p:spPr/>
-        <p:txBody>
-          <a:bodyPr/>
-          <a:lstStyle/>
-          <a:p>
-            <a:r>
-              <a:rPr lang="en-US" dirty="0"/>
-              <a:t>Next Steps:</a:t>
-            </a:r>
-          </a:p>
-          <a:p>
-            <a:pPr marL="0" indent="0">
-              <a:buNone/>
-            </a:pPr>
-            <a:r>
-              <a:rPr lang="en-US" dirty="0"/>
-              <a:t>Make plot of confidence intervals of the 1000 bootstrapped samples</a:t>
-            </a:r>
-          </a:p>
-          <a:p>
-            <a:pPr marL="0" indent="0">
-              <a:buNone/>
-            </a:pPr>
-            <a:endParaRPr lang="en-US" dirty="0"/>
-          </a:p>
-          <a:p>
-            <a:pPr marL="0" indent="0">
-              <a:buNone/>
-            </a:pPr>
-            <a:r>
-              <a:rPr lang="en-US" dirty="0"/>
-              <a:t>Try bootstrap Sampling in pairs instead of independently and see how this impacts the results.</a:t>
-            </a:r>
-          </a:p>
-          <a:p>
-            <a:pPr marL="0" indent="0">
-              <a:buNone/>
-            </a:pPr>
-            <a:endParaRPr lang="en-US" dirty="0"/>
-          </a:p>
-          <a:p>
-            <a:pPr marL="0" indent="0">
-              <a:buNone/>
-            </a:pPr>
-            <a:r>
-              <a:rPr lang="en-US" dirty="0"/>
-              <a:t>Work with various assumptions applied and sample from various distributions instead.  Compare the confidence intervals that result from these methods</a:t>
-            </a:r>
-          </a:p>
-        </p:txBody>
-      </p:sp>
-    </p:spTree>
-    <p:extLst>
-      <p:ext uri="{BB962C8B-B14F-4D97-AF65-F5344CB8AC3E}">
-        <p14:creationId xmlns:p14="http://schemas.microsoft.com/office/powerpoint/2010/main" val="1116559384"/>
-      </p:ext>
-    </p:extLst>
-  </p:cSld>
-  <p:clrMapOvr>
-    <a:masterClrMapping/>
-  </p:clrMapOvr>
-</p:sld>
-</file>
-
 <file path=ppt/slides/slide2.xml><?xml version="1.0" encoding="utf-8"?>
 <p:sld xmlns:a="http://schemas.openxmlformats.org/drawingml/2006/main" xmlns:r="http://schemas.openxmlformats.org/officeDocument/2006/relationships" xmlns:p="http://schemas.openxmlformats.org/presentationml/2006/main">
   <p:cSld>
@@ -5160,6 +5052,42 @@
           </a:p>
         </p:txBody>
       </p:sp>
+      <p:pic>
+        <p:nvPicPr>
+          <p:cNvPr id="7" name="Content Placeholder 4" descr="Chart, pie chart&#10;&#10;Description automatically generated">
+            <a:extLst>
+              <a:ext uri="{FF2B5EF4-FFF2-40B4-BE49-F238E27FC236}">
+                <a16:creationId xmlns:a16="http://schemas.microsoft.com/office/drawing/2014/main" id="{76E163AE-ADEB-4494-B1D2-7568B3482B09}"/>
+              </a:ext>
+            </a:extLst>
+          </p:cNvPr>
+          <p:cNvPicPr>
+            <a:picLocks noChangeAspect="1"/>
+          </p:cNvPicPr>
+          <p:nvPr/>
+        </p:nvPicPr>
+        <p:blipFill>
+          <a:blip r:embed="rId2">
+            <a:extLst>
+              <a:ext uri="{28A0092B-C50C-407E-A947-70E740481C1C}">
+                <a14:useLocalDpi xmlns:a14="http://schemas.microsoft.com/office/drawing/2010/main" val="0"/>
+              </a:ext>
+            </a:extLst>
+          </a:blip>
+          <a:stretch>
+            <a:fillRect/>
+          </a:stretch>
+        </p:blipFill>
+        <p:spPr>
+          <a:xfrm>
+            <a:off x="1019481" y="1946175"/>
+            <a:ext cx="4058687" cy="4023701"/>
+          </a:xfrm>
+          <a:prstGeom prst="rect">
+            <a:avLst/>
+          </a:prstGeom>
+        </p:spPr>
+      </p:pic>
     </p:spTree>
     <p:extLst>
       <p:ext uri="{BB962C8B-B14F-4D97-AF65-F5344CB8AC3E}">
